--- a/Team 2 Project Proposal.pptx
+++ b/Team 2 Project Proposal.pptx
@@ -21,23 +21,25 @@
     <p:sldId id="266" r:id="rId16"/>
     <p:sldId id="267" r:id="rId17"/>
     <p:sldId id="268" r:id="rId18"/>
+    <p:sldId id="269" r:id="rId19"/>
+    <p:sldId id="270" r:id="rId20"/>
   </p:sldIdLst>
   <p:sldSz cy="5143500" cx="9144000"/>
   <p:notesSz cx="6858000" cy="9144000"/>
   <p:embeddedFontLst>
     <p:embeddedFont>
       <p:font typeface="Montserrat"/>
-      <p:regular r:id="rId19"/>
-      <p:bold r:id="rId20"/>
-      <p:italic r:id="rId21"/>
-      <p:boldItalic r:id="rId22"/>
+      <p:regular r:id="rId21"/>
+      <p:bold r:id="rId22"/>
+      <p:italic r:id="rId23"/>
+      <p:boldItalic r:id="rId24"/>
     </p:embeddedFont>
     <p:embeddedFont>
       <p:font typeface="Lato"/>
-      <p:regular r:id="rId23"/>
-      <p:bold r:id="rId24"/>
-      <p:italic r:id="rId25"/>
-      <p:boldItalic r:id="rId26"/>
+      <p:regular r:id="rId25"/>
+      <p:bold r:id="rId26"/>
+      <p:italic r:id="rId27"/>
+      <p:boldItalic r:id="rId28"/>
     </p:embeddedFont>
   </p:embeddedFontLst>
   <p:defaultTextStyle>
@@ -832,7 +834,7 @@
       </p:grpSpPr>
       <p:sp>
         <p:nvSpPr>
-          <p:cNvPr id="188" name="Google Shape;188;g282a959ab7d_1_5:notes"/>
+          <p:cNvPr id="188" name="Google Shape;188;g28098d48533_0_15:notes"/>
           <p:cNvSpPr/>
           <p:nvPr>
             <p:ph idx="2" type="sldImg"/>
@@ -867,7 +869,7 @@
       </p:sp>
       <p:sp>
         <p:nvSpPr>
-          <p:cNvPr id="189" name="Google Shape;189;g282a959ab7d_1_5:notes"/>
+          <p:cNvPr id="189" name="Google Shape;189;g28098d48533_0_15:notes"/>
           <p:cNvSpPr txBox="1"/>
           <p:nvPr>
             <p:ph idx="1" type="body"/>
@@ -898,15 +900,7 @@
               <a:buNone/>
             </a:pPr>
             <a:r>
-              <a:rPr lang="en"/>
-              <a:t>Done: Indicates that the matrix multiplication is complete</a:t>
-            </a:r>
-            <a:br>
-              <a:rPr lang="en"/>
-            </a:br>
-            <a:r>
-              <a:rPr lang="en"/>
-              <a:t>Sys_override: This will override the instruction in the EX stage to executes matrix multiplication. This register helps in using the chip to multiply matrices even if the rest of the pipeline is broken!</a:t>
+              <a:t/>
             </a:r>
             <a:endParaRPr/>
           </a:p>
@@ -939,7 +933,7 @@
       </p:grpSpPr>
       <p:sp>
         <p:nvSpPr>
-          <p:cNvPr id="194" name="Google Shape;194;g281ee378cdb_0_0:notes"/>
+          <p:cNvPr id="194" name="Google Shape;194;g280ad362bad_0_1:notes"/>
           <p:cNvSpPr/>
           <p:nvPr>
             <p:ph idx="2" type="sldImg"/>
@@ -974,7 +968,7 @@
       </p:sp>
       <p:sp>
         <p:nvSpPr>
-          <p:cNvPr id="195" name="Google Shape;195;g281ee378cdb_0_0:notes"/>
+          <p:cNvPr id="195" name="Google Shape;195;g280ad362bad_0_1:notes"/>
           <p:cNvSpPr txBox="1"/>
           <p:nvPr>
             <p:ph idx="1" type="body"/>
@@ -1038,7 +1032,7 @@
       </p:grpSpPr>
       <p:sp>
         <p:nvSpPr>
-          <p:cNvPr id="200" name="Google Shape;200;g28098d48533_0_25:notes"/>
+          <p:cNvPr id="200" name="Google Shape;200;g282a959ab7d_1_5:notes"/>
           <p:cNvSpPr/>
           <p:nvPr>
             <p:ph idx="2" type="sldImg"/>
@@ -1073,7 +1067,7 @@
       </p:sp>
       <p:sp>
         <p:nvSpPr>
-          <p:cNvPr id="201" name="Google Shape;201;g28098d48533_0_25:notes"/>
+          <p:cNvPr id="201" name="Google Shape;201;g282a959ab7d_1_5:notes"/>
           <p:cNvSpPr txBox="1"/>
           <p:nvPr>
             <p:ph idx="1" type="body"/>
@@ -1104,7 +1098,15 @@
               <a:buNone/>
             </a:pPr>
             <a:r>
-              <a:t/>
+              <a:rPr lang="en"/>
+              <a:t>Done: Indicates that the matrix multiplication is complete</a:t>
+            </a:r>
+            <a:br>
+              <a:rPr lang="en"/>
+            </a:br>
+            <a:r>
+              <a:rPr lang="en"/>
+              <a:t>Sys_override: This will override the instruction in the EX stage to executes matrix multiplication. This register helps in using the chip to multiply matrices even if the rest of the pipeline is broken!</a:t>
             </a:r>
             <a:endParaRPr/>
           </a:p>
@@ -1137,7 +1139,7 @@
       </p:grpSpPr>
       <p:sp>
         <p:nvSpPr>
-          <p:cNvPr id="206" name="Google Shape;206;g282a959ab7d_1_38:notes"/>
+          <p:cNvPr id="206" name="Google Shape;206;g281ee378cdb_0_0:notes"/>
           <p:cNvSpPr/>
           <p:nvPr>
             <p:ph idx="2" type="sldImg"/>
@@ -1172,7 +1174,205 @@
       </p:sp>
       <p:sp>
         <p:nvSpPr>
-          <p:cNvPr id="207" name="Google Shape;207;g282a959ab7d_1_38:notes"/>
+          <p:cNvPr id="207" name="Google Shape;207;g281ee378cdb_0_0:notes"/>
+          <p:cNvSpPr txBox="1"/>
+          <p:nvPr>
+            <p:ph idx="1" type="body"/>
+          </p:nvPr>
+        </p:nvSpPr>
+        <p:spPr>
+          <a:xfrm>
+            <a:off x="685800" y="4343400"/>
+            <a:ext cx="5486400" cy="4114800"/>
+          </a:xfrm>
+          <a:prstGeom prst="rect">
+            <a:avLst/>
+          </a:prstGeom>
+        </p:spPr>
+        <p:txBody>
+          <a:bodyPr anchorCtr="0" anchor="t" bIns="91425" lIns="91425" spcFirstLastPara="1" rIns="91425" wrap="square" tIns="91425">
+            <a:noAutofit/>
+          </a:bodyPr>
+          <a:lstStyle/>
+          <a:p>
+            <a:pPr indent="0" lvl="0" marL="0" rtl="0" algn="l">
+              <a:spcBef>
+                <a:spcPts val="0"/>
+              </a:spcBef>
+              <a:spcAft>
+                <a:spcPts val="0"/>
+              </a:spcAft>
+              <a:buNone/>
+            </a:pPr>
+            <a:r>
+              <a:t/>
+            </a:r>
+            <a:endParaRPr/>
+          </a:p>
+        </p:txBody>
+      </p:sp>
+    </p:spTree>
+  </p:cSld>
+  <p:clrMapOvr>
+    <a:masterClrMapping/>
+  </p:clrMapOvr>
+</p:notes>
+</file>
+
+<file path=ppt/notesSlides/notesSlide14.xml><?xml version="1.0" encoding="utf-8"?>
+<p:notes xmlns:a="http://schemas.openxmlformats.org/drawingml/2006/main" xmlns:r="http://schemas.openxmlformats.org/officeDocument/2006/relationships" xmlns:mc="http://schemas.openxmlformats.org/markup-compatibility/2006" xmlns:mv="urn:schemas-microsoft-com:mac:vml" xmlns:p="http://schemas.openxmlformats.org/presentationml/2006/main" xmlns:c="http://schemas.openxmlformats.org/drawingml/2006/chart" xmlns:dgm="http://schemas.openxmlformats.org/drawingml/2006/diagram" xmlns:o="urn:schemas-microsoft-com:office:office" xmlns:v="urn:schemas-microsoft-com:vml" xmlns:pvml="urn:schemas-microsoft-com:office:powerpoint" xmlns:com="http://schemas.openxmlformats.org/drawingml/2006/compatibility" xmlns:p14="http://schemas.microsoft.com/office/powerpoint/2010/main" xmlns:p15="http://schemas.microsoft.com/office/powerpoint/2012/main" xmlns:ahyp="http://schemas.microsoft.com/office/drawing/2018/hyperlinkcolor" showMasterPhAnim="0" showMasterSp="0">
+  <p:cSld>
+    <p:spTree>
+      <p:nvGrpSpPr>
+        <p:cNvPr id="211" name="Shape 211"/>
+        <p:cNvGrpSpPr/>
+        <p:nvPr/>
+      </p:nvGrpSpPr>
+      <p:grpSpPr>
+        <a:xfrm>
+          <a:off x="0" y="0"/>
+          <a:ext cx="0" cy="0"/>
+          <a:chOff x="0" y="0"/>
+          <a:chExt cx="0" cy="0"/>
+        </a:xfrm>
+      </p:grpSpPr>
+      <p:sp>
+        <p:nvSpPr>
+          <p:cNvPr id="212" name="Google Shape;212;g28098d48533_0_25:notes"/>
+          <p:cNvSpPr/>
+          <p:nvPr>
+            <p:ph idx="2" type="sldImg"/>
+          </p:nvPr>
+        </p:nvSpPr>
+        <p:spPr>
+          <a:xfrm>
+            <a:off x="381300" y="685800"/>
+            <a:ext cx="6096000" cy="3429000"/>
+          </a:xfrm>
+          <a:custGeom>
+            <a:rect b="b" l="l" r="r" t="t"/>
+            <a:pathLst>
+              <a:path extrusionOk="0" h="120000" w="120000">
+                <a:moveTo>
+                  <a:pt x="0" y="0"/>
+                </a:moveTo>
+                <a:lnTo>
+                  <a:pt x="120000" y="0"/>
+                </a:lnTo>
+                <a:lnTo>
+                  <a:pt x="120000" y="120000"/>
+                </a:lnTo>
+                <a:lnTo>
+                  <a:pt x="0" y="120000"/>
+                </a:lnTo>
+                <a:close/>
+              </a:path>
+            </a:pathLst>
+          </a:custGeom>
+        </p:spPr>
+      </p:sp>
+      <p:sp>
+        <p:nvSpPr>
+          <p:cNvPr id="213" name="Google Shape;213;g28098d48533_0_25:notes"/>
+          <p:cNvSpPr txBox="1"/>
+          <p:nvPr>
+            <p:ph idx="1" type="body"/>
+          </p:nvPr>
+        </p:nvSpPr>
+        <p:spPr>
+          <a:xfrm>
+            <a:off x="685800" y="4343400"/>
+            <a:ext cx="5486400" cy="4114800"/>
+          </a:xfrm>
+          <a:prstGeom prst="rect">
+            <a:avLst/>
+          </a:prstGeom>
+        </p:spPr>
+        <p:txBody>
+          <a:bodyPr anchorCtr="0" anchor="t" bIns="91425" lIns="91425" spcFirstLastPara="1" rIns="91425" wrap="square" tIns="91425">
+            <a:noAutofit/>
+          </a:bodyPr>
+          <a:lstStyle/>
+          <a:p>
+            <a:pPr indent="0" lvl="0" marL="0" rtl="0" algn="l">
+              <a:spcBef>
+                <a:spcPts val="0"/>
+              </a:spcBef>
+              <a:spcAft>
+                <a:spcPts val="0"/>
+              </a:spcAft>
+              <a:buNone/>
+            </a:pPr>
+            <a:r>
+              <a:t/>
+            </a:r>
+            <a:endParaRPr/>
+          </a:p>
+        </p:txBody>
+      </p:sp>
+    </p:spTree>
+  </p:cSld>
+  <p:clrMapOvr>
+    <a:masterClrMapping/>
+  </p:clrMapOvr>
+</p:notes>
+</file>
+
+<file path=ppt/notesSlides/notesSlide15.xml><?xml version="1.0" encoding="utf-8"?>
+<p:notes xmlns:a="http://schemas.openxmlformats.org/drawingml/2006/main" xmlns:r="http://schemas.openxmlformats.org/officeDocument/2006/relationships" xmlns:mc="http://schemas.openxmlformats.org/markup-compatibility/2006" xmlns:mv="urn:schemas-microsoft-com:mac:vml" xmlns:p="http://schemas.openxmlformats.org/presentationml/2006/main" xmlns:c="http://schemas.openxmlformats.org/drawingml/2006/chart" xmlns:dgm="http://schemas.openxmlformats.org/drawingml/2006/diagram" xmlns:o="urn:schemas-microsoft-com:office:office" xmlns:v="urn:schemas-microsoft-com:vml" xmlns:pvml="urn:schemas-microsoft-com:office:powerpoint" xmlns:com="http://schemas.openxmlformats.org/drawingml/2006/compatibility" xmlns:p14="http://schemas.microsoft.com/office/powerpoint/2010/main" xmlns:p15="http://schemas.microsoft.com/office/powerpoint/2012/main" xmlns:ahyp="http://schemas.microsoft.com/office/drawing/2018/hyperlinkcolor" showMasterPhAnim="0" showMasterSp="0">
+  <p:cSld>
+    <p:spTree>
+      <p:nvGrpSpPr>
+        <p:cNvPr id="217" name="Shape 217"/>
+        <p:cNvGrpSpPr/>
+        <p:nvPr/>
+      </p:nvGrpSpPr>
+      <p:grpSpPr>
+        <a:xfrm>
+          <a:off x="0" y="0"/>
+          <a:ext cx="0" cy="0"/>
+          <a:chOff x="0" y="0"/>
+          <a:chExt cx="0" cy="0"/>
+        </a:xfrm>
+      </p:grpSpPr>
+      <p:sp>
+        <p:nvSpPr>
+          <p:cNvPr id="218" name="Google Shape;218;g282a959ab7d_1_38:notes"/>
+          <p:cNvSpPr/>
+          <p:nvPr>
+            <p:ph idx="2" type="sldImg"/>
+          </p:nvPr>
+        </p:nvSpPr>
+        <p:spPr>
+          <a:xfrm>
+            <a:off x="381300" y="685800"/>
+            <a:ext cx="6096000" cy="3429000"/>
+          </a:xfrm>
+          <a:custGeom>
+            <a:rect b="b" l="l" r="r" t="t"/>
+            <a:pathLst>
+              <a:path extrusionOk="0" h="120000" w="120000">
+                <a:moveTo>
+                  <a:pt x="0" y="0"/>
+                </a:moveTo>
+                <a:lnTo>
+                  <a:pt x="120000" y="0"/>
+                </a:lnTo>
+                <a:lnTo>
+                  <a:pt x="120000" y="120000"/>
+                </a:lnTo>
+                <a:lnTo>
+                  <a:pt x="0" y="120000"/>
+                </a:lnTo>
+                <a:close/>
+              </a:path>
+            </a:pathLst>
+          </a:custGeom>
+        </p:spPr>
+      </p:sp>
+      <p:sp>
+        <p:nvSpPr>
+          <p:cNvPr id="219" name="Google Shape;219;g282a959ab7d_1_38:notes"/>
           <p:cNvSpPr txBox="1"/>
           <p:nvPr>
             <p:ph idx="1" type="body"/>
@@ -1236,7 +1436,7 @@
       </p:grpSpPr>
       <p:sp>
         <p:nvSpPr>
-          <p:cNvPr id="138" name="Google Shape;138;g28098d48533_0_0:notes"/>
+          <p:cNvPr id="138" name="Google Shape;138;g2830b2b2e52_2_1:notes"/>
           <p:cNvSpPr/>
           <p:nvPr>
             <p:ph idx="2" type="sldImg"/>
@@ -1271,7 +1471,7 @@
       </p:sp>
       <p:sp>
         <p:nvSpPr>
-          <p:cNvPr id="139" name="Google Shape;139;g28098d48533_0_0:notes"/>
+          <p:cNvPr id="139" name="Google Shape;139;g2830b2b2e52_2_1:notes"/>
           <p:cNvSpPr txBox="1"/>
           <p:nvPr>
             <p:ph idx="1" type="body"/>
@@ -1335,7 +1535,7 @@
       </p:grpSpPr>
       <p:sp>
         <p:nvSpPr>
-          <p:cNvPr id="144" name="Google Shape;144;g28098d48533_0_10:notes"/>
+          <p:cNvPr id="144" name="Google Shape;144;g28098d48533_0_0:notes"/>
           <p:cNvSpPr/>
           <p:nvPr>
             <p:ph idx="2" type="sldImg"/>
@@ -1370,7 +1570,7 @@
       </p:sp>
       <p:sp>
         <p:nvSpPr>
-          <p:cNvPr id="145" name="Google Shape;145;g28098d48533_0_10:notes"/>
+          <p:cNvPr id="145" name="Google Shape;145;g28098d48533_0_0:notes"/>
           <p:cNvSpPr txBox="1"/>
           <p:nvPr>
             <p:ph idx="1" type="body"/>
@@ -1420,7 +1620,7 @@
   <p:cSld>
     <p:spTree>
       <p:nvGrpSpPr>
-        <p:cNvPr id="151" name="Shape 151"/>
+        <p:cNvPr id="149" name="Shape 149"/>
         <p:cNvGrpSpPr/>
         <p:nvPr/>
       </p:nvGrpSpPr>
@@ -1434,7 +1634,7 @@
       </p:grpSpPr>
       <p:sp>
         <p:nvSpPr>
-          <p:cNvPr id="152" name="Google Shape;152;g282a959ab7d_0_0:notes"/>
+          <p:cNvPr id="150" name="Google Shape;150;g28098d48533_0_10:notes"/>
           <p:cNvSpPr/>
           <p:nvPr>
             <p:ph idx="2" type="sldImg"/>
@@ -1469,7 +1669,7 @@
       </p:sp>
       <p:sp>
         <p:nvSpPr>
-          <p:cNvPr id="153" name="Google Shape;153;g282a959ab7d_0_0:notes"/>
+          <p:cNvPr id="151" name="Google Shape;151;g28098d48533_0_10:notes"/>
           <p:cNvSpPr txBox="1"/>
           <p:nvPr>
             <p:ph idx="1" type="body"/>
@@ -1519,7 +1719,7 @@
   <p:cSld>
     <p:spTree>
       <p:nvGrpSpPr>
-        <p:cNvPr id="158" name="Shape 158"/>
+        <p:cNvPr id="157" name="Shape 157"/>
         <p:cNvGrpSpPr/>
         <p:nvPr/>
       </p:nvGrpSpPr>
@@ -1533,7 +1733,7 @@
       </p:grpSpPr>
       <p:sp>
         <p:nvSpPr>
-          <p:cNvPr id="159" name="Google Shape;159;g281ee378cdb_0_130:notes"/>
+          <p:cNvPr id="158" name="Google Shape;158;g282a959ab7d_0_0:notes"/>
           <p:cNvSpPr/>
           <p:nvPr>
             <p:ph idx="2" type="sldImg"/>
@@ -1568,7 +1768,7 @@
       </p:sp>
       <p:sp>
         <p:nvSpPr>
-          <p:cNvPr id="160" name="Google Shape;160;g281ee378cdb_0_130:notes"/>
+          <p:cNvPr id="159" name="Google Shape;159;g282a959ab7d_0_0:notes"/>
           <p:cNvSpPr txBox="1"/>
           <p:nvPr>
             <p:ph idx="1" type="body"/>
@@ -1618,7 +1818,7 @@
   <p:cSld>
     <p:spTree>
       <p:nvGrpSpPr>
-        <p:cNvPr id="163" name="Shape 163"/>
+        <p:cNvPr id="164" name="Shape 164"/>
         <p:cNvGrpSpPr/>
         <p:nvPr/>
       </p:nvGrpSpPr>
@@ -1632,7 +1832,7 @@
       </p:grpSpPr>
       <p:sp>
         <p:nvSpPr>
-          <p:cNvPr id="164" name="Google Shape;164;g28098d48533_0_20:notes"/>
+          <p:cNvPr id="165" name="Google Shape;165;g281ee378cdb_0_130:notes"/>
           <p:cNvSpPr/>
           <p:nvPr>
             <p:ph idx="2" type="sldImg"/>
@@ -1667,7 +1867,7 @@
       </p:sp>
       <p:sp>
         <p:nvSpPr>
-          <p:cNvPr id="165" name="Google Shape;165;g28098d48533_0_20:notes"/>
+          <p:cNvPr id="166" name="Google Shape;166;g281ee378cdb_0_130:notes"/>
           <p:cNvSpPr txBox="1"/>
           <p:nvPr>
             <p:ph idx="1" type="body"/>
@@ -1731,7 +1931,7 @@
       </p:grpSpPr>
       <p:sp>
         <p:nvSpPr>
-          <p:cNvPr id="170" name="Google Shape;170;g280eabe6454_0_0:notes"/>
+          <p:cNvPr id="170" name="Google Shape;170;g28098d48533_0_20:notes"/>
           <p:cNvSpPr/>
           <p:nvPr>
             <p:ph idx="2" type="sldImg"/>
@@ -1766,7 +1966,7 @@
       </p:sp>
       <p:sp>
         <p:nvSpPr>
-          <p:cNvPr id="171" name="Google Shape;171;g280eabe6454_0_0:notes"/>
+          <p:cNvPr id="171" name="Google Shape;171;g28098d48533_0_20:notes"/>
           <p:cNvSpPr txBox="1"/>
           <p:nvPr>
             <p:ph idx="1" type="body"/>
@@ -1830,7 +2030,7 @@
       </p:grpSpPr>
       <p:sp>
         <p:nvSpPr>
-          <p:cNvPr id="176" name="Google Shape;176;g28098d48533_0_15:notes"/>
+          <p:cNvPr id="176" name="Google Shape;176;g2830b2b2e52_1_0:notes"/>
           <p:cNvSpPr/>
           <p:nvPr>
             <p:ph idx="2" type="sldImg"/>
@@ -1865,7 +2065,7 @@
       </p:sp>
       <p:sp>
         <p:nvSpPr>
-          <p:cNvPr id="177" name="Google Shape;177;g28098d48533_0_15:notes"/>
+          <p:cNvPr id="177" name="Google Shape;177;g2830b2b2e52_1_0:notes"/>
           <p:cNvSpPr txBox="1"/>
           <p:nvPr>
             <p:ph idx="1" type="body"/>
@@ -1929,7 +2129,7 @@
       </p:grpSpPr>
       <p:sp>
         <p:nvSpPr>
-          <p:cNvPr id="182" name="Google Shape;182;g280ad362bad_0_1:notes"/>
+          <p:cNvPr id="182" name="Google Shape;182;g280eabe6454_0_0:notes"/>
           <p:cNvSpPr/>
           <p:nvPr>
             <p:ph idx="2" type="sldImg"/>
@@ -1964,7 +2164,7 @@
       </p:sp>
       <p:sp>
         <p:nvSpPr>
-          <p:cNvPr id="183" name="Google Shape;183;g280ad362bad_0_1:notes"/>
+          <p:cNvPr id="183" name="Google Shape;183;g280eabe6454_0_0:notes"/>
           <p:cNvSpPr txBox="1"/>
           <p:nvPr>
             <p:ph idx="1" type="body"/>
@@ -10617,7 +10817,7 @@
           </a:bodyPr>
           <a:lstStyle/>
           <a:p>
-            <a:pPr indent="0" lvl="0" marL="0" rtl="0" algn="ctr">
+            <a:pPr indent="0" lvl="0" marL="0" rtl="0" algn="l">
               <a:spcBef>
                 <a:spcPts val="0"/>
               </a:spcBef>
@@ -10628,7 +10828,7 @@
             </a:pPr>
             <a:r>
               <a:rPr lang="en"/>
-              <a:t>Control Status Register</a:t>
+              <a:t>Proposed high-level block diagram</a:t>
             </a:r>
             <a:endParaRPr/>
           </a:p>
@@ -10650,8 +10850,8 @@
         </p:blipFill>
         <p:spPr>
           <a:xfrm>
-            <a:off x="522675" y="1219150"/>
-            <a:ext cx="8098640" cy="3530850"/>
+            <a:off x="1168525" y="1307850"/>
+            <a:ext cx="7296855" cy="3530851"/>
           </a:xfrm>
           <a:prstGeom prst="rect">
             <a:avLst/>
@@ -10721,263 +10921,40 @@
             </a:pPr>
             <a:r>
               <a:rPr lang="en"/>
-              <a:t>Proposed Instructions	</a:t>
+              <a:t>Proposed high-level block diagram</a:t>
             </a:r>
             <a:endParaRPr/>
           </a:p>
         </p:txBody>
       </p:sp>
-      <p:sp>
-        <p:nvSpPr>
+      <p:pic>
+        <p:nvPicPr>
           <p:cNvPr id="198" name="Google Shape;198;p23"/>
-          <p:cNvSpPr txBox="1"/>
-          <p:nvPr>
-            <p:ph idx="1" type="body"/>
-          </p:nvPr>
-        </p:nvSpPr>
+          <p:cNvPicPr preferRelativeResize="0"/>
+          <p:nvPr/>
+        </p:nvPicPr>
+        <p:blipFill>
+          <a:blip r:embed="rId3">
+            <a:alphaModFix/>
+          </a:blip>
+          <a:stretch>
+            <a:fillRect/>
+          </a:stretch>
+        </p:blipFill>
         <p:spPr>
           <a:xfrm>
-            <a:off x="1297500" y="1567550"/>
-            <a:ext cx="7038900" cy="2911200"/>
+            <a:off x="925038" y="1460250"/>
+            <a:ext cx="7783834" cy="3530850"/>
           </a:xfrm>
           <a:prstGeom prst="rect">
             <a:avLst/>
           </a:prstGeom>
-          <a:solidFill>
-            <a:schemeClr val="lt1"/>
-          </a:solidFill>
+          <a:noFill/>
+          <a:ln>
+            <a:noFill/>
+          </a:ln>
         </p:spPr>
-        <p:txBody>
-          <a:bodyPr anchorCtr="0" anchor="t" bIns="91425" lIns="91425" spcFirstLastPara="1" rIns="91425" wrap="square" tIns="91425">
-            <a:normAutofit/>
-          </a:bodyPr>
-          <a:lstStyle/>
-          <a:p>
-            <a:pPr indent="-311150" lvl="0" marL="457200" rtl="0" algn="l">
-              <a:spcBef>
-                <a:spcPts val="0"/>
-              </a:spcBef>
-              <a:spcAft>
-                <a:spcPts val="0"/>
-              </a:spcAft>
-              <a:buClr>
-                <a:schemeClr val="dk1"/>
-              </a:buClr>
-              <a:buSzPts val="1300"/>
-              <a:buChar char="●"/>
-            </a:pPr>
-            <a:r>
-              <a:rPr b="1" lang="en">
-                <a:solidFill>
-                  <a:schemeClr val="dk1"/>
-                </a:solidFill>
-              </a:rPr>
-              <a:t>Add</a:t>
-            </a:r>
-            <a:endParaRPr b="1">
-              <a:solidFill>
-                <a:schemeClr val="dk1"/>
-              </a:solidFill>
-            </a:endParaRPr>
-          </a:p>
-          <a:p>
-            <a:pPr indent="-311150" lvl="0" marL="457200" rtl="0" algn="l">
-              <a:spcBef>
-                <a:spcPts val="0"/>
-              </a:spcBef>
-              <a:spcAft>
-                <a:spcPts val="0"/>
-              </a:spcAft>
-              <a:buClr>
-                <a:schemeClr val="dk1"/>
-              </a:buClr>
-              <a:buSzPts val="1300"/>
-              <a:buChar char="●"/>
-            </a:pPr>
-            <a:r>
-              <a:rPr b="1" lang="en">
-                <a:solidFill>
-                  <a:schemeClr val="dk1"/>
-                </a:solidFill>
-              </a:rPr>
-              <a:t>Lw</a:t>
-            </a:r>
-            <a:endParaRPr b="1">
-              <a:solidFill>
-                <a:schemeClr val="dk1"/>
-              </a:solidFill>
-            </a:endParaRPr>
-          </a:p>
-          <a:p>
-            <a:pPr indent="-311150" lvl="0" marL="457200" rtl="0" algn="l">
-              <a:spcBef>
-                <a:spcPts val="0"/>
-              </a:spcBef>
-              <a:spcAft>
-                <a:spcPts val="0"/>
-              </a:spcAft>
-              <a:buClr>
-                <a:schemeClr val="dk1"/>
-              </a:buClr>
-              <a:buSzPts val="1300"/>
-              <a:buChar char="●"/>
-            </a:pPr>
-            <a:r>
-              <a:rPr b="1" lang="en">
-                <a:solidFill>
-                  <a:schemeClr val="dk1"/>
-                </a:solidFill>
-              </a:rPr>
-              <a:t>Sw</a:t>
-            </a:r>
-            <a:endParaRPr b="1">
-              <a:solidFill>
-                <a:schemeClr val="dk1"/>
-              </a:solidFill>
-            </a:endParaRPr>
-          </a:p>
-          <a:p>
-            <a:pPr indent="-311150" lvl="0" marL="457200" rtl="0" algn="l">
-              <a:spcBef>
-                <a:spcPts val="0"/>
-              </a:spcBef>
-              <a:spcAft>
-                <a:spcPts val="0"/>
-              </a:spcAft>
-              <a:buClr>
-                <a:schemeClr val="dk1"/>
-              </a:buClr>
-              <a:buSzPts val="1300"/>
-              <a:buChar char="●"/>
-            </a:pPr>
-            <a:r>
-              <a:rPr b="1" lang="en">
-                <a:solidFill>
-                  <a:schemeClr val="dk1"/>
-                </a:solidFill>
-              </a:rPr>
-              <a:t>Beq</a:t>
-            </a:r>
-            <a:endParaRPr b="1">
-              <a:solidFill>
-                <a:schemeClr val="dk1"/>
-              </a:solidFill>
-            </a:endParaRPr>
-          </a:p>
-          <a:p>
-            <a:pPr indent="-311150" lvl="0" marL="457200" rtl="0" algn="l">
-              <a:spcBef>
-                <a:spcPts val="0"/>
-              </a:spcBef>
-              <a:spcAft>
-                <a:spcPts val="0"/>
-              </a:spcAft>
-              <a:buClr>
-                <a:schemeClr val="dk1"/>
-              </a:buClr>
-              <a:buSzPts val="1300"/>
-              <a:buChar char="●"/>
-            </a:pPr>
-            <a:r>
-              <a:rPr b="1" lang="en">
-                <a:solidFill>
-                  <a:schemeClr val="dk1"/>
-                </a:solidFill>
-              </a:rPr>
-              <a:t>jump</a:t>
-            </a:r>
-            <a:endParaRPr b="1">
-              <a:solidFill>
-                <a:schemeClr val="dk1"/>
-              </a:solidFill>
-            </a:endParaRPr>
-          </a:p>
-          <a:p>
-            <a:pPr indent="-311150" lvl="0" marL="457200" rtl="0" algn="l">
-              <a:spcBef>
-                <a:spcPts val="0"/>
-              </a:spcBef>
-              <a:spcAft>
-                <a:spcPts val="0"/>
-              </a:spcAft>
-              <a:buClr>
-                <a:schemeClr val="dk1"/>
-              </a:buClr>
-              <a:buSzPts val="1300"/>
-              <a:buChar char="●"/>
-            </a:pPr>
-            <a:r>
-              <a:rPr b="1" lang="en">
-                <a:solidFill>
-                  <a:schemeClr val="dk1"/>
-                </a:solidFill>
-              </a:rPr>
-              <a:t>Sys dest_matrix_addr , source_1_addr , source_2_addr , size</a:t>
-            </a:r>
-            <a:endParaRPr b="1">
-              <a:solidFill>
-                <a:schemeClr val="dk1"/>
-              </a:solidFill>
-            </a:endParaRPr>
-          </a:p>
-          <a:p>
-            <a:pPr indent="-311150" lvl="0" marL="457200" rtl="0" algn="l">
-              <a:spcBef>
-                <a:spcPts val="0"/>
-              </a:spcBef>
-              <a:spcAft>
-                <a:spcPts val="0"/>
-              </a:spcAft>
-              <a:buClr>
-                <a:schemeClr val="dk1"/>
-              </a:buClr>
-              <a:buSzPts val="1300"/>
-              <a:buChar char="●"/>
-            </a:pPr>
-            <a:r>
-              <a:rPr b="1" lang="en">
-                <a:solidFill>
-                  <a:schemeClr val="dk1"/>
-                </a:solidFill>
-              </a:rPr>
-              <a:t>store_counter - Write into memory number of cycles it took for computation</a:t>
-            </a:r>
-            <a:endParaRPr b="1">
-              <a:solidFill>
-                <a:schemeClr val="dk1"/>
-              </a:solidFill>
-            </a:endParaRPr>
-          </a:p>
-          <a:p>
-            <a:pPr indent="-311150" lvl="0" marL="457200" rtl="0" algn="l">
-              <a:spcBef>
-                <a:spcPts val="0"/>
-              </a:spcBef>
-              <a:spcAft>
-                <a:spcPts val="0"/>
-              </a:spcAft>
-              <a:buClr>
-                <a:schemeClr val="dk1"/>
-              </a:buClr>
-              <a:buSzPts val="1300"/>
-              <a:buChar char="●"/>
-            </a:pPr>
-            <a:r>
-              <a:rPr b="1" lang="en">
-                <a:solidFill>
-                  <a:schemeClr val="dk1"/>
-                </a:solidFill>
-              </a:rPr>
-              <a:t>TBD</a:t>
-            </a:r>
-            <a:endParaRPr b="1">
-              <a:solidFill>
-                <a:schemeClr val="dk1"/>
-              </a:solidFill>
-            </a:endParaRPr>
-          </a:p>
-        </p:txBody>
-      </p:sp>
+      </p:pic>
     </p:spTree>
   </p:cSld>
   <p:clrMapOvr>
@@ -11026,7 +11003,7 @@
           </a:bodyPr>
           <a:lstStyle/>
           <a:p>
-            <a:pPr indent="0" lvl="0" marL="0" rtl="0" algn="l">
+            <a:pPr indent="0" lvl="0" marL="0" rtl="0" algn="ctr">
               <a:spcBef>
                 <a:spcPts val="0"/>
               </a:spcBef>
@@ -11037,85 +11014,40 @@
             </a:pPr>
             <a:r>
               <a:rPr lang="en"/>
-              <a:t>Future considerations</a:t>
+              <a:t>Control Status Register</a:t>
             </a:r>
             <a:endParaRPr/>
           </a:p>
         </p:txBody>
       </p:sp>
-      <p:sp>
-        <p:nvSpPr>
+      <p:pic>
+        <p:nvPicPr>
           <p:cNvPr id="204" name="Google Shape;204;p24"/>
-          <p:cNvSpPr txBox="1"/>
-          <p:nvPr>
-            <p:ph idx="1" type="body"/>
-          </p:nvPr>
-        </p:nvSpPr>
+          <p:cNvPicPr preferRelativeResize="0"/>
+          <p:nvPr/>
+        </p:nvPicPr>
+        <p:blipFill>
+          <a:blip r:embed="rId3">
+            <a:alphaModFix/>
+          </a:blip>
+          <a:stretch>
+            <a:fillRect/>
+          </a:stretch>
+        </p:blipFill>
         <p:spPr>
           <a:xfrm>
-            <a:off x="1297500" y="1567550"/>
-            <a:ext cx="7038900" cy="2911200"/>
+            <a:off x="522675" y="1219150"/>
+            <a:ext cx="8098640" cy="3530850"/>
           </a:xfrm>
           <a:prstGeom prst="rect">
             <a:avLst/>
           </a:prstGeom>
+          <a:noFill/>
+          <a:ln>
+            <a:noFill/>
+          </a:ln>
         </p:spPr>
-        <p:txBody>
-          <a:bodyPr anchorCtr="0" anchor="t" bIns="91425" lIns="91425" spcFirstLastPara="1" rIns="91425" wrap="square" tIns="91425">
-            <a:normAutofit/>
-          </a:bodyPr>
-          <a:lstStyle/>
-          <a:p>
-            <a:pPr indent="-361950" lvl="0" marL="457200" rtl="0" algn="l">
-              <a:spcBef>
-                <a:spcPts val="0"/>
-              </a:spcBef>
-              <a:spcAft>
-                <a:spcPts val="0"/>
-              </a:spcAft>
-              <a:buSzPts val="2100"/>
-              <a:buChar char="●"/>
-            </a:pPr>
-            <a:r>
-              <a:rPr lang="en" sz="2100"/>
-              <a:t>We start by supporting only the 4x4 multiplications, but we plan to support customizing the matrix dimensions.</a:t>
-            </a:r>
-            <a:endParaRPr sz="2100"/>
-          </a:p>
-          <a:p>
-            <a:pPr indent="-361950" lvl="0" marL="457200" rtl="0" algn="l">
-              <a:spcBef>
-                <a:spcPts val="0"/>
-              </a:spcBef>
-              <a:spcAft>
-                <a:spcPts val="0"/>
-              </a:spcAft>
-              <a:buSzPts val="2100"/>
-              <a:buChar char="●"/>
-            </a:pPr>
-            <a:r>
-              <a:rPr lang="en" sz="2100"/>
-              <a:t>Make the hardware do other operations, such as convolutions, etc., along with the matrix multiplications.</a:t>
-            </a:r>
-            <a:endParaRPr sz="2100"/>
-          </a:p>
-          <a:p>
-            <a:pPr indent="0" lvl="0" marL="0" rtl="0" algn="l">
-              <a:spcBef>
-                <a:spcPts val="1200"/>
-              </a:spcBef>
-              <a:spcAft>
-                <a:spcPts val="1200"/>
-              </a:spcAft>
-              <a:buNone/>
-            </a:pPr>
-            <a:r>
-              <a:t/>
-            </a:r>
-            <a:endParaRPr sz="2100"/>
-          </a:p>
-        </p:txBody>
-      </p:sp>
+      </p:pic>
     </p:spTree>
   </p:cSld>
   <p:clrMapOvr>
@@ -11144,6 +11076,460 @@
       <p:sp>
         <p:nvSpPr>
           <p:cNvPr id="209" name="Google Shape;209;p25"/>
+          <p:cNvSpPr txBox="1"/>
+          <p:nvPr>
+            <p:ph type="title"/>
+          </p:nvPr>
+        </p:nvSpPr>
+        <p:spPr>
+          <a:xfrm>
+            <a:off x="1297500" y="393750"/>
+            <a:ext cx="7038900" cy="914100"/>
+          </a:xfrm>
+          <a:prstGeom prst="rect">
+            <a:avLst/>
+          </a:prstGeom>
+        </p:spPr>
+        <p:txBody>
+          <a:bodyPr anchorCtr="0" anchor="t" bIns="91425" lIns="91425" spcFirstLastPara="1" rIns="91425" wrap="square" tIns="91425">
+            <a:normAutofit/>
+          </a:bodyPr>
+          <a:lstStyle/>
+          <a:p>
+            <a:pPr indent="0" lvl="0" marL="0" rtl="0" algn="l">
+              <a:spcBef>
+                <a:spcPts val="0"/>
+              </a:spcBef>
+              <a:spcAft>
+                <a:spcPts val="0"/>
+              </a:spcAft>
+              <a:buNone/>
+            </a:pPr>
+            <a:r>
+              <a:rPr lang="en"/>
+              <a:t>Proposed Instructions	</a:t>
+            </a:r>
+            <a:endParaRPr/>
+          </a:p>
+        </p:txBody>
+      </p:sp>
+      <p:sp>
+        <p:nvSpPr>
+          <p:cNvPr id="210" name="Google Shape;210;p25"/>
+          <p:cNvSpPr txBox="1"/>
+          <p:nvPr>
+            <p:ph idx="1" type="body"/>
+          </p:nvPr>
+        </p:nvSpPr>
+        <p:spPr>
+          <a:xfrm>
+            <a:off x="1297500" y="1567550"/>
+            <a:ext cx="7038900" cy="2911200"/>
+          </a:xfrm>
+          <a:prstGeom prst="rect">
+            <a:avLst/>
+          </a:prstGeom>
+          <a:solidFill>
+            <a:schemeClr val="lt1"/>
+          </a:solidFill>
+        </p:spPr>
+        <p:txBody>
+          <a:bodyPr anchorCtr="0" anchor="t" bIns="91425" lIns="91425" spcFirstLastPara="1" rIns="91425" wrap="square" tIns="91425">
+            <a:normAutofit/>
+          </a:bodyPr>
+          <a:lstStyle/>
+          <a:p>
+            <a:pPr indent="-311150" lvl="0" marL="457200" rtl="0" algn="l">
+              <a:spcBef>
+                <a:spcPts val="0"/>
+              </a:spcBef>
+              <a:spcAft>
+                <a:spcPts val="0"/>
+              </a:spcAft>
+              <a:buClr>
+                <a:schemeClr val="dk1"/>
+              </a:buClr>
+              <a:buSzPts val="1300"/>
+              <a:buChar char="●"/>
+            </a:pPr>
+            <a:r>
+              <a:rPr b="1" lang="en">
+                <a:solidFill>
+                  <a:schemeClr val="dk1"/>
+                </a:solidFill>
+              </a:rPr>
+              <a:t>Add</a:t>
+            </a:r>
+            <a:endParaRPr b="1">
+              <a:solidFill>
+                <a:schemeClr val="dk1"/>
+              </a:solidFill>
+            </a:endParaRPr>
+          </a:p>
+          <a:p>
+            <a:pPr indent="-311150" lvl="0" marL="457200" rtl="0" algn="l">
+              <a:spcBef>
+                <a:spcPts val="0"/>
+              </a:spcBef>
+              <a:spcAft>
+                <a:spcPts val="0"/>
+              </a:spcAft>
+              <a:buClr>
+                <a:schemeClr val="dk1"/>
+              </a:buClr>
+              <a:buSzPts val="1300"/>
+              <a:buChar char="●"/>
+            </a:pPr>
+            <a:r>
+              <a:rPr b="1" lang="en">
+                <a:solidFill>
+                  <a:schemeClr val="dk1"/>
+                </a:solidFill>
+              </a:rPr>
+              <a:t>Lw</a:t>
+            </a:r>
+            <a:endParaRPr b="1">
+              <a:solidFill>
+                <a:schemeClr val="dk1"/>
+              </a:solidFill>
+            </a:endParaRPr>
+          </a:p>
+          <a:p>
+            <a:pPr indent="-311150" lvl="0" marL="457200" rtl="0" algn="l">
+              <a:spcBef>
+                <a:spcPts val="0"/>
+              </a:spcBef>
+              <a:spcAft>
+                <a:spcPts val="0"/>
+              </a:spcAft>
+              <a:buClr>
+                <a:schemeClr val="dk1"/>
+              </a:buClr>
+              <a:buSzPts val="1300"/>
+              <a:buChar char="●"/>
+            </a:pPr>
+            <a:r>
+              <a:rPr b="1" lang="en">
+                <a:solidFill>
+                  <a:schemeClr val="dk1"/>
+                </a:solidFill>
+              </a:rPr>
+              <a:t>Sw</a:t>
+            </a:r>
+            <a:endParaRPr b="1">
+              <a:solidFill>
+                <a:schemeClr val="dk1"/>
+              </a:solidFill>
+            </a:endParaRPr>
+          </a:p>
+          <a:p>
+            <a:pPr indent="-311150" lvl="0" marL="457200" rtl="0" algn="l">
+              <a:spcBef>
+                <a:spcPts val="0"/>
+              </a:spcBef>
+              <a:spcAft>
+                <a:spcPts val="0"/>
+              </a:spcAft>
+              <a:buClr>
+                <a:schemeClr val="dk1"/>
+              </a:buClr>
+              <a:buSzPts val="1300"/>
+              <a:buChar char="●"/>
+            </a:pPr>
+            <a:r>
+              <a:rPr b="1" lang="en">
+                <a:solidFill>
+                  <a:schemeClr val="dk1"/>
+                </a:solidFill>
+              </a:rPr>
+              <a:t>Beq</a:t>
+            </a:r>
+            <a:endParaRPr b="1">
+              <a:solidFill>
+                <a:schemeClr val="dk1"/>
+              </a:solidFill>
+            </a:endParaRPr>
+          </a:p>
+          <a:p>
+            <a:pPr indent="-311150" lvl="0" marL="457200" rtl="0" algn="l">
+              <a:spcBef>
+                <a:spcPts val="0"/>
+              </a:spcBef>
+              <a:spcAft>
+                <a:spcPts val="0"/>
+              </a:spcAft>
+              <a:buClr>
+                <a:schemeClr val="dk1"/>
+              </a:buClr>
+              <a:buSzPts val="1300"/>
+              <a:buChar char="●"/>
+            </a:pPr>
+            <a:r>
+              <a:rPr b="1" lang="en">
+                <a:solidFill>
+                  <a:schemeClr val="dk1"/>
+                </a:solidFill>
+              </a:rPr>
+              <a:t>jump</a:t>
+            </a:r>
+            <a:endParaRPr b="1">
+              <a:solidFill>
+                <a:schemeClr val="dk1"/>
+              </a:solidFill>
+            </a:endParaRPr>
+          </a:p>
+          <a:p>
+            <a:pPr indent="-311150" lvl="0" marL="457200" rtl="0" algn="l">
+              <a:spcBef>
+                <a:spcPts val="0"/>
+              </a:spcBef>
+              <a:spcAft>
+                <a:spcPts val="0"/>
+              </a:spcAft>
+              <a:buClr>
+                <a:schemeClr val="dk1"/>
+              </a:buClr>
+              <a:buSzPts val="1300"/>
+              <a:buChar char="●"/>
+            </a:pPr>
+            <a:r>
+              <a:rPr b="1" lang="en">
+                <a:solidFill>
+                  <a:schemeClr val="dk1"/>
+                </a:solidFill>
+              </a:rPr>
+              <a:t>Sys dest_matrix_addr , source_1_addr , source_2_addr , size</a:t>
+            </a:r>
+            <a:endParaRPr b="1">
+              <a:solidFill>
+                <a:schemeClr val="dk1"/>
+              </a:solidFill>
+            </a:endParaRPr>
+          </a:p>
+          <a:p>
+            <a:pPr indent="-311150" lvl="0" marL="457200" rtl="0" algn="l">
+              <a:spcBef>
+                <a:spcPts val="0"/>
+              </a:spcBef>
+              <a:spcAft>
+                <a:spcPts val="0"/>
+              </a:spcAft>
+              <a:buClr>
+                <a:schemeClr val="dk1"/>
+              </a:buClr>
+              <a:buSzPts val="1300"/>
+              <a:buChar char="●"/>
+            </a:pPr>
+            <a:r>
+              <a:rPr b="1" lang="en">
+                <a:solidFill>
+                  <a:schemeClr val="dk1"/>
+                </a:solidFill>
+              </a:rPr>
+              <a:t>store_counter - Write into memory number of cycles it took for computation</a:t>
+            </a:r>
+            <a:endParaRPr b="1">
+              <a:solidFill>
+                <a:schemeClr val="dk1"/>
+              </a:solidFill>
+            </a:endParaRPr>
+          </a:p>
+          <a:p>
+            <a:pPr indent="-311150" lvl="0" marL="457200" rtl="0" algn="l">
+              <a:spcBef>
+                <a:spcPts val="0"/>
+              </a:spcBef>
+              <a:spcAft>
+                <a:spcPts val="0"/>
+              </a:spcAft>
+              <a:buClr>
+                <a:schemeClr val="dk1"/>
+              </a:buClr>
+              <a:buSzPts val="1300"/>
+              <a:buChar char="●"/>
+            </a:pPr>
+            <a:r>
+              <a:rPr b="1" lang="en">
+                <a:solidFill>
+                  <a:schemeClr val="dk1"/>
+                </a:solidFill>
+              </a:rPr>
+              <a:t>TBD</a:t>
+            </a:r>
+            <a:endParaRPr b="1">
+              <a:solidFill>
+                <a:schemeClr val="dk1"/>
+              </a:solidFill>
+            </a:endParaRPr>
+          </a:p>
+        </p:txBody>
+      </p:sp>
+    </p:spTree>
+  </p:cSld>
+  <p:clrMapOvr>
+    <a:masterClrMapping/>
+  </p:clrMapOvr>
+</p:sld>
+</file>
+
+<file path=ppt/slides/slide14.xml><?xml version="1.0" encoding="utf-8"?>
+<p:sld xmlns:a="http://schemas.openxmlformats.org/drawingml/2006/main" xmlns:r="http://schemas.openxmlformats.org/officeDocument/2006/relationships" xmlns:mc="http://schemas.openxmlformats.org/markup-compatibility/2006" xmlns:mv="urn:schemas-microsoft-com:mac:vml" xmlns:p="http://schemas.openxmlformats.org/presentationml/2006/main" xmlns:c="http://schemas.openxmlformats.org/drawingml/2006/chart" xmlns:dgm="http://schemas.openxmlformats.org/drawingml/2006/diagram" xmlns:o="urn:schemas-microsoft-com:office:office" xmlns:v="urn:schemas-microsoft-com:vml" xmlns:pvml="urn:schemas-microsoft-com:office:powerpoint" xmlns:com="http://schemas.openxmlformats.org/drawingml/2006/compatibility" xmlns:p14="http://schemas.microsoft.com/office/powerpoint/2010/main" xmlns:p15="http://schemas.microsoft.com/office/powerpoint/2012/main" xmlns:ahyp="http://schemas.microsoft.com/office/drawing/2018/hyperlinkcolor">
+  <p:cSld>
+    <p:spTree>
+      <p:nvGrpSpPr>
+        <p:cNvPr id="214" name="Shape 214"/>
+        <p:cNvGrpSpPr/>
+        <p:nvPr/>
+      </p:nvGrpSpPr>
+      <p:grpSpPr>
+        <a:xfrm>
+          <a:off x="0" y="0"/>
+          <a:ext cx="0" cy="0"/>
+          <a:chOff x="0" y="0"/>
+          <a:chExt cx="0" cy="0"/>
+        </a:xfrm>
+      </p:grpSpPr>
+      <p:sp>
+        <p:nvSpPr>
+          <p:cNvPr id="215" name="Google Shape;215;p26"/>
+          <p:cNvSpPr txBox="1"/>
+          <p:nvPr>
+            <p:ph type="title"/>
+          </p:nvPr>
+        </p:nvSpPr>
+        <p:spPr>
+          <a:xfrm>
+            <a:off x="1297500" y="393750"/>
+            <a:ext cx="7038900" cy="914100"/>
+          </a:xfrm>
+          <a:prstGeom prst="rect">
+            <a:avLst/>
+          </a:prstGeom>
+        </p:spPr>
+        <p:txBody>
+          <a:bodyPr anchorCtr="0" anchor="t" bIns="91425" lIns="91425" spcFirstLastPara="1" rIns="91425" wrap="square" tIns="91425">
+            <a:normAutofit/>
+          </a:bodyPr>
+          <a:lstStyle/>
+          <a:p>
+            <a:pPr indent="0" lvl="0" marL="0" rtl="0" algn="l">
+              <a:spcBef>
+                <a:spcPts val="0"/>
+              </a:spcBef>
+              <a:spcAft>
+                <a:spcPts val="0"/>
+              </a:spcAft>
+              <a:buNone/>
+            </a:pPr>
+            <a:r>
+              <a:rPr lang="en"/>
+              <a:t>Future considerations</a:t>
+            </a:r>
+            <a:endParaRPr/>
+          </a:p>
+        </p:txBody>
+      </p:sp>
+      <p:sp>
+        <p:nvSpPr>
+          <p:cNvPr id="216" name="Google Shape;216;p26"/>
+          <p:cNvSpPr txBox="1"/>
+          <p:nvPr>
+            <p:ph idx="1" type="body"/>
+          </p:nvPr>
+        </p:nvSpPr>
+        <p:spPr>
+          <a:xfrm>
+            <a:off x="1297500" y="1567550"/>
+            <a:ext cx="7038900" cy="2911200"/>
+          </a:xfrm>
+          <a:prstGeom prst="rect">
+            <a:avLst/>
+          </a:prstGeom>
+        </p:spPr>
+        <p:txBody>
+          <a:bodyPr anchorCtr="0" anchor="t" bIns="91425" lIns="91425" spcFirstLastPara="1" rIns="91425" wrap="square" tIns="91425">
+            <a:normAutofit/>
+          </a:bodyPr>
+          <a:lstStyle/>
+          <a:p>
+            <a:pPr indent="-361950" lvl="0" marL="457200" rtl="0" algn="l">
+              <a:spcBef>
+                <a:spcPts val="0"/>
+              </a:spcBef>
+              <a:spcAft>
+                <a:spcPts val="0"/>
+              </a:spcAft>
+              <a:buSzPts val="2100"/>
+              <a:buChar char="●"/>
+            </a:pPr>
+            <a:r>
+              <a:rPr lang="en" sz="2100"/>
+              <a:t>We start by supporting only the 4x4 multiplications, but we plan to support customizing the matrix dimensions.</a:t>
+            </a:r>
+            <a:endParaRPr sz="2100"/>
+          </a:p>
+          <a:p>
+            <a:pPr indent="-361950" lvl="0" marL="457200" rtl="0" algn="l">
+              <a:spcBef>
+                <a:spcPts val="0"/>
+              </a:spcBef>
+              <a:spcAft>
+                <a:spcPts val="0"/>
+              </a:spcAft>
+              <a:buSzPts val="2100"/>
+              <a:buChar char="●"/>
+            </a:pPr>
+            <a:r>
+              <a:rPr lang="en" sz="2100"/>
+              <a:t>Make the hardware do other operations, such as convolutions, etc., along with the matrix multiplications.</a:t>
+            </a:r>
+            <a:endParaRPr sz="2100"/>
+          </a:p>
+          <a:p>
+            <a:pPr indent="0" lvl="0" marL="0" rtl="0" algn="l">
+              <a:spcBef>
+                <a:spcPts val="1200"/>
+              </a:spcBef>
+              <a:spcAft>
+                <a:spcPts val="1200"/>
+              </a:spcAft>
+              <a:buNone/>
+            </a:pPr>
+            <a:r>
+              <a:t/>
+            </a:r>
+            <a:endParaRPr sz="2100"/>
+          </a:p>
+        </p:txBody>
+      </p:sp>
+    </p:spTree>
+  </p:cSld>
+  <p:clrMapOvr>
+    <a:masterClrMapping/>
+  </p:clrMapOvr>
+</p:sld>
+</file>
+
+<file path=ppt/slides/slide15.xml><?xml version="1.0" encoding="utf-8"?>
+<p:sld xmlns:a="http://schemas.openxmlformats.org/drawingml/2006/main" xmlns:r="http://schemas.openxmlformats.org/officeDocument/2006/relationships" xmlns:mc="http://schemas.openxmlformats.org/markup-compatibility/2006" xmlns:mv="urn:schemas-microsoft-com:mac:vml" xmlns:p="http://schemas.openxmlformats.org/presentationml/2006/main" xmlns:c="http://schemas.openxmlformats.org/drawingml/2006/chart" xmlns:dgm="http://schemas.openxmlformats.org/drawingml/2006/diagram" xmlns:o="urn:schemas-microsoft-com:office:office" xmlns:v="urn:schemas-microsoft-com:vml" xmlns:pvml="urn:schemas-microsoft-com:office:powerpoint" xmlns:com="http://schemas.openxmlformats.org/drawingml/2006/compatibility" xmlns:p14="http://schemas.microsoft.com/office/powerpoint/2010/main" xmlns:p15="http://schemas.microsoft.com/office/powerpoint/2012/main" xmlns:ahyp="http://schemas.microsoft.com/office/drawing/2018/hyperlinkcolor">
+  <p:cSld>
+    <p:spTree>
+      <p:nvGrpSpPr>
+        <p:cNvPr id="220" name="Shape 220"/>
+        <p:cNvGrpSpPr/>
+        <p:nvPr/>
+      </p:nvGrpSpPr>
+      <p:grpSpPr>
+        <a:xfrm>
+          <a:off x="0" y="0"/>
+          <a:ext cx="0" cy="0"/>
+          <a:chOff x="0" y="0"/>
+          <a:chExt cx="0" cy="0"/>
+        </a:xfrm>
+      </p:grpSpPr>
+      <p:sp>
+        <p:nvSpPr>
+          <p:cNvPr id="221" name="Google Shape;221;p27"/>
           <p:cNvSpPr txBox="1"/>
           <p:nvPr>
             <p:ph type="title"/>
@@ -11239,8 +11625,13 @@
               <a:buNone/>
             </a:pPr>
             <a:r>
-              <a:rPr lang="en"/>
-              <a:t>Introduction</a:t>
+              <a:rPr b="1" lang="en" sz="2100" u="sng">
+                <a:latin typeface="Lato"/>
+                <a:ea typeface="Lato"/>
+                <a:cs typeface="Lato"/>
+                <a:sym typeface="Lato"/>
+              </a:rPr>
+              <a:t>Roles and Responsibilities</a:t>
             </a:r>
             <a:endParaRPr/>
           </a:p>
@@ -11270,6 +11661,9 @@
           <a:lstStyle/>
           <a:p>
             <a:pPr indent="-361950" lvl="0" marL="457200" rtl="0" algn="l">
+              <a:lnSpc>
+                <a:spcPct val="100000"/>
+              </a:lnSpc>
               <a:spcBef>
                 <a:spcPts val="0"/>
               </a:spcBef>
@@ -11281,12 +11675,33 @@
             </a:pPr>
             <a:r>
               <a:rPr lang="en" sz="2100"/>
-              <a:t>Matrix multiplication is a compute-intensive operation which is widely used in image processing, data compression, and 3D graphics rendering.</a:t>
+              <a:t>Team Lead and Design Lead- Abhipray Singh</a:t>
+            </a:r>
+            <a:endParaRPr sz="2100"/>
+          </a:p>
+          <a:p>
+            <a:pPr indent="0" lvl="0" marL="457200" rtl="0" algn="l">
+              <a:lnSpc>
+                <a:spcPct val="100000"/>
+              </a:lnSpc>
+              <a:spcBef>
+                <a:spcPts val="0"/>
+              </a:spcBef>
+              <a:spcAft>
+                <a:spcPts val="0"/>
+              </a:spcAft>
+              <a:buNone/>
+            </a:pPr>
+            <a:r>
+              <a:t/>
             </a:r>
             <a:endParaRPr sz="2100"/>
           </a:p>
           <a:p>
             <a:pPr indent="-361950" lvl="0" marL="457200" rtl="0" algn="l">
+              <a:lnSpc>
+                <a:spcPct val="100000"/>
+              </a:lnSpc>
               <a:spcBef>
                 <a:spcPts val="0"/>
               </a:spcBef>
@@ -11298,12 +11713,33 @@
             </a:pPr>
             <a:r>
               <a:rPr lang="en" sz="2100"/>
-              <a:t>By having dedicated hardware for this operation, we can speed up all of these applications.</a:t>
+              <a:t>Verification Lead - Ganesh Bhagwat</a:t>
+            </a:r>
+            <a:endParaRPr sz="2100"/>
+          </a:p>
+          <a:p>
+            <a:pPr indent="0" lvl="0" marL="457200" rtl="0" algn="l">
+              <a:lnSpc>
+                <a:spcPct val="100000"/>
+              </a:lnSpc>
+              <a:spcBef>
+                <a:spcPts val="0"/>
+              </a:spcBef>
+              <a:spcAft>
+                <a:spcPts val="0"/>
+              </a:spcAft>
+              <a:buNone/>
+            </a:pPr>
+            <a:r>
+              <a:t/>
             </a:r>
             <a:endParaRPr sz="2100"/>
           </a:p>
           <a:p>
             <a:pPr indent="-361950" lvl="0" marL="457200" rtl="0" algn="l">
+              <a:lnSpc>
+                <a:spcPct val="100000"/>
+              </a:lnSpc>
               <a:spcBef>
                 <a:spcPts val="0"/>
               </a:spcBef>
@@ -11315,7 +11751,7 @@
             </a:pPr>
             <a:r>
               <a:rPr lang="en" sz="2100"/>
-              <a:t>Systolic arrays are one such approaches to realise this idea.</a:t>
+              <a:t>Physical Design Lead - Aditya Kumar</a:t>
             </a:r>
             <a:endParaRPr sz="2100"/>
           </a:p>
@@ -11380,6 +11816,146 @@
             </a:pPr>
             <a:r>
               <a:rPr lang="en"/>
+              <a:t>Introduction</a:t>
+            </a:r>
+            <a:endParaRPr/>
+          </a:p>
+        </p:txBody>
+      </p:sp>
+      <p:sp>
+        <p:nvSpPr>
+          <p:cNvPr id="148" name="Google Shape;148;p15"/>
+          <p:cNvSpPr txBox="1"/>
+          <p:nvPr>
+            <p:ph idx="1" type="body"/>
+          </p:nvPr>
+        </p:nvSpPr>
+        <p:spPr>
+          <a:xfrm>
+            <a:off x="1297500" y="1567550"/>
+            <a:ext cx="7038900" cy="2911200"/>
+          </a:xfrm>
+          <a:prstGeom prst="rect">
+            <a:avLst/>
+          </a:prstGeom>
+        </p:spPr>
+        <p:txBody>
+          <a:bodyPr anchorCtr="0" anchor="t" bIns="91425" lIns="91425" spcFirstLastPara="1" rIns="91425" wrap="square" tIns="91425">
+            <a:normAutofit/>
+          </a:bodyPr>
+          <a:lstStyle/>
+          <a:p>
+            <a:pPr indent="-361950" lvl="0" marL="457200" rtl="0" algn="l">
+              <a:spcBef>
+                <a:spcPts val="0"/>
+              </a:spcBef>
+              <a:spcAft>
+                <a:spcPts val="0"/>
+              </a:spcAft>
+              <a:buSzPts val="2100"/>
+              <a:buChar char="●"/>
+            </a:pPr>
+            <a:r>
+              <a:rPr lang="en" sz="2100"/>
+              <a:t>Matrix multiplication is a compute-intensive operation which is widely used in image processing, data compression, and 3D graphics rendering.</a:t>
+            </a:r>
+            <a:endParaRPr sz="2100"/>
+          </a:p>
+          <a:p>
+            <a:pPr indent="-361950" lvl="0" marL="457200" rtl="0" algn="l">
+              <a:spcBef>
+                <a:spcPts val="0"/>
+              </a:spcBef>
+              <a:spcAft>
+                <a:spcPts val="0"/>
+              </a:spcAft>
+              <a:buSzPts val="2100"/>
+              <a:buChar char="●"/>
+            </a:pPr>
+            <a:r>
+              <a:rPr lang="en" sz="2100"/>
+              <a:t>By having dedicated hardware for this operation, we can speed up all of these applications.</a:t>
+            </a:r>
+            <a:endParaRPr sz="2100"/>
+          </a:p>
+          <a:p>
+            <a:pPr indent="-361950" lvl="0" marL="457200" rtl="0" algn="l">
+              <a:spcBef>
+                <a:spcPts val="0"/>
+              </a:spcBef>
+              <a:spcAft>
+                <a:spcPts val="0"/>
+              </a:spcAft>
+              <a:buSzPts val="2100"/>
+              <a:buChar char="●"/>
+            </a:pPr>
+            <a:r>
+              <a:rPr lang="en" sz="2100"/>
+              <a:t>Systolic arrays are one such approaches to realise this idea.</a:t>
+            </a:r>
+            <a:endParaRPr sz="2100"/>
+          </a:p>
+        </p:txBody>
+      </p:sp>
+    </p:spTree>
+  </p:cSld>
+  <p:clrMapOvr>
+    <a:masterClrMapping/>
+  </p:clrMapOvr>
+</p:sld>
+</file>
+
+<file path=ppt/slides/slide4.xml><?xml version="1.0" encoding="utf-8"?>
+<p:sld xmlns:a="http://schemas.openxmlformats.org/drawingml/2006/main" xmlns:r="http://schemas.openxmlformats.org/officeDocument/2006/relationships" xmlns:mc="http://schemas.openxmlformats.org/markup-compatibility/2006" xmlns:mv="urn:schemas-microsoft-com:mac:vml" xmlns:p="http://schemas.openxmlformats.org/presentationml/2006/main" xmlns:c="http://schemas.openxmlformats.org/drawingml/2006/chart" xmlns:dgm="http://schemas.openxmlformats.org/drawingml/2006/diagram" xmlns:o="urn:schemas-microsoft-com:office:office" xmlns:v="urn:schemas-microsoft-com:vml" xmlns:pvml="urn:schemas-microsoft-com:office:powerpoint" xmlns:com="http://schemas.openxmlformats.org/drawingml/2006/compatibility" xmlns:p14="http://schemas.microsoft.com/office/powerpoint/2010/main" xmlns:p15="http://schemas.microsoft.com/office/powerpoint/2012/main" xmlns:ahyp="http://schemas.microsoft.com/office/drawing/2018/hyperlinkcolor">
+  <p:cSld>
+    <p:spTree>
+      <p:nvGrpSpPr>
+        <p:cNvPr id="152" name="Shape 152"/>
+        <p:cNvGrpSpPr/>
+        <p:nvPr/>
+      </p:nvGrpSpPr>
+      <p:grpSpPr>
+        <a:xfrm>
+          <a:off x="0" y="0"/>
+          <a:ext cx="0" cy="0"/>
+          <a:chOff x="0" y="0"/>
+          <a:chExt cx="0" cy="0"/>
+        </a:xfrm>
+      </p:grpSpPr>
+      <p:sp>
+        <p:nvSpPr>
+          <p:cNvPr id="153" name="Google Shape;153;p16"/>
+          <p:cNvSpPr txBox="1"/>
+          <p:nvPr>
+            <p:ph type="title"/>
+          </p:nvPr>
+        </p:nvSpPr>
+        <p:spPr>
+          <a:xfrm>
+            <a:off x="1297500" y="393750"/>
+            <a:ext cx="7038900" cy="914100"/>
+          </a:xfrm>
+          <a:prstGeom prst="rect">
+            <a:avLst/>
+          </a:prstGeom>
+        </p:spPr>
+        <p:txBody>
+          <a:bodyPr anchorCtr="0" anchor="t" bIns="91425" lIns="91425" spcFirstLastPara="1" rIns="91425" wrap="square" tIns="91425">
+            <a:normAutofit/>
+          </a:bodyPr>
+          <a:lstStyle/>
+          <a:p>
+            <a:pPr indent="0" lvl="0" marL="0" rtl="0" algn="l">
+              <a:spcBef>
+                <a:spcPts val="0"/>
+              </a:spcBef>
+              <a:spcAft>
+                <a:spcPts val="0"/>
+              </a:spcAft>
+              <a:buNone/>
+            </a:pPr>
+            <a:r>
+              <a:rPr lang="en"/>
               <a:t>Systolic Array</a:t>
             </a:r>
             <a:endParaRPr/>
@@ -11388,7 +11964,7 @@
       </p:sp>
       <p:sp>
         <p:nvSpPr>
-          <p:cNvPr id="148" name="Google Shape;148;p15"/>
+          <p:cNvPr id="154" name="Google Shape;154;p16"/>
           <p:cNvSpPr txBox="1"/>
           <p:nvPr>
             <p:ph idx="1" type="body"/>
@@ -11405,69 +11981,69 @@
         </p:spPr>
         <p:txBody>
           <a:bodyPr anchorCtr="0" anchor="t" bIns="91425" lIns="91425" spcFirstLastPara="1" rIns="91425" wrap="square" tIns="91425">
-            <a:normAutofit/>
+            <a:noAutofit/>
           </a:bodyPr>
           <a:lstStyle/>
           <a:p>
-            <a:pPr indent="-330200" lvl="0" marL="457200" rtl="0" algn="l">
-              <a:spcBef>
-                <a:spcPts val="0"/>
-              </a:spcBef>
-              <a:spcAft>
-                <a:spcPts val="0"/>
-              </a:spcAft>
-              <a:buSzPts val="1600"/>
+            <a:pPr indent="-336550" lvl="0" marL="457200" rtl="0" algn="l">
+              <a:spcBef>
+                <a:spcPts val="0"/>
+              </a:spcBef>
+              <a:spcAft>
+                <a:spcPts val="0"/>
+              </a:spcAft>
+              <a:buSzPts val="1700"/>
               <a:buChar char="●"/>
             </a:pPr>
             <a:r>
-              <a:rPr lang="en" sz="1600"/>
+              <a:rPr lang="en" sz="1700"/>
               <a:t>A grid-like arrangement of simple processing elements that work in a synchronized manner.</a:t>
             </a:r>
-            <a:endParaRPr sz="1600"/>
+            <a:endParaRPr sz="1700"/>
           </a:p>
           <a:p>
-            <a:pPr indent="-330200" lvl="0" marL="457200" rtl="0" algn="l">
-              <a:spcBef>
-                <a:spcPts val="0"/>
-              </a:spcBef>
-              <a:spcAft>
-                <a:spcPts val="0"/>
-              </a:spcAft>
-              <a:buSzPts val="1600"/>
+            <a:pPr indent="-336550" lvl="0" marL="457200" rtl="0" algn="l">
+              <a:spcBef>
+                <a:spcPts val="0"/>
+              </a:spcBef>
+              <a:spcAft>
+                <a:spcPts val="0"/>
+              </a:spcAft>
+              <a:buSzPts val="1700"/>
               <a:buChar char="●"/>
             </a:pPr>
             <a:r>
-              <a:rPr lang="en" sz="1600"/>
+              <a:rPr lang="en" sz="1700"/>
               <a:t>P</a:t>
             </a:r>
             <a:r>
-              <a:rPr lang="en" sz="1600"/>
+              <a:rPr lang="en" sz="1700"/>
               <a:t>articularly effective in accelerating matrix multiplication operations.</a:t>
             </a:r>
-            <a:endParaRPr sz="1600"/>
+            <a:endParaRPr sz="1700"/>
           </a:p>
           <a:p>
-            <a:pPr indent="-330200" lvl="0" marL="457200" rtl="0" algn="l">
-              <a:spcBef>
-                <a:spcPts val="0"/>
-              </a:spcBef>
-              <a:spcAft>
-                <a:spcPts val="0"/>
-              </a:spcAft>
-              <a:buSzPts val="1600"/>
+            <a:pPr indent="-336550" lvl="0" marL="457200" rtl="0" algn="l">
+              <a:spcBef>
+                <a:spcPts val="0"/>
+              </a:spcBef>
+              <a:spcAft>
+                <a:spcPts val="0"/>
+              </a:spcAft>
+              <a:buSzPts val="1700"/>
               <a:buChar char="●"/>
             </a:pPr>
             <a:r>
-              <a:rPr lang="en" sz="1600"/>
+              <a:rPr lang="en" sz="1700"/>
               <a:t>We will initially focus on the implementation of systolic arrays for 4x4 matrix multiplication, and then extend to matrices of other sizes.</a:t>
             </a:r>
-            <a:endParaRPr sz="1600"/>
+            <a:endParaRPr sz="1700"/>
           </a:p>
         </p:txBody>
       </p:sp>
       <p:pic>
         <p:nvPicPr>
-          <p:cNvPr id="149" name="Google Shape;149;p15"/>
+          <p:cNvPr id="155" name="Google Shape;155;p16"/>
           <p:cNvPicPr preferRelativeResize="0"/>
           <p:nvPr/>
         </p:nvPicPr>
@@ -11495,7 +12071,7 @@
       </p:pic>
       <p:sp>
         <p:nvSpPr>
-          <p:cNvPr id="150" name="Google Shape;150;p15"/>
+          <p:cNvPr id="156" name="Google Shape;156;p16"/>
           <p:cNvSpPr txBox="1"/>
           <p:nvPr/>
         </p:nvSpPr>
@@ -11553,12 +12129,12 @@
 </p:sld>
 </file>
 
-<file path=ppt/slides/slide4.xml><?xml version="1.0" encoding="utf-8"?>
+<file path=ppt/slides/slide5.xml><?xml version="1.0" encoding="utf-8"?>
 <p:sld xmlns:a="http://schemas.openxmlformats.org/drawingml/2006/main" xmlns:r="http://schemas.openxmlformats.org/officeDocument/2006/relationships" xmlns:mc="http://schemas.openxmlformats.org/markup-compatibility/2006" xmlns:mv="urn:schemas-microsoft-com:mac:vml" xmlns:p="http://schemas.openxmlformats.org/presentationml/2006/main" xmlns:c="http://schemas.openxmlformats.org/drawingml/2006/chart" xmlns:dgm="http://schemas.openxmlformats.org/drawingml/2006/diagram" xmlns:o="urn:schemas-microsoft-com:office:office" xmlns:v="urn:schemas-microsoft-com:vml" xmlns:pvml="urn:schemas-microsoft-com:office:powerpoint" xmlns:com="http://schemas.openxmlformats.org/drawingml/2006/compatibility" xmlns:p14="http://schemas.microsoft.com/office/powerpoint/2010/main" xmlns:p15="http://schemas.microsoft.com/office/powerpoint/2012/main" xmlns:ahyp="http://schemas.microsoft.com/office/drawing/2018/hyperlinkcolor">
   <p:cSld>
     <p:spTree>
       <p:nvGrpSpPr>
-        <p:cNvPr id="154" name="Shape 154"/>
+        <p:cNvPr id="160" name="Shape 160"/>
         <p:cNvGrpSpPr/>
         <p:nvPr/>
       </p:nvGrpSpPr>
@@ -11572,7 +12148,7 @@
       </p:grpSpPr>
       <p:sp>
         <p:nvSpPr>
-          <p:cNvPr id="155" name="Google Shape;155;p16"/>
+          <p:cNvPr id="161" name="Google Shape;161;p17"/>
           <p:cNvSpPr txBox="1"/>
           <p:nvPr>
             <p:ph type="title"/>
@@ -11612,7 +12188,7 @@
       </p:sp>
       <p:pic>
         <p:nvPicPr>
-          <p:cNvPr id="156" name="Google Shape;156;p16" title="systolicarrayvideo.mp4">
+          <p:cNvPr id="162" name="Google Shape;162;p17" title="systolicarrayvideo.mp4">
             <a:hlinkClick r:id="rId3"/>
           </p:cNvPr>
           <p:cNvPicPr preferRelativeResize="0"/>
@@ -11642,7 +12218,7 @@
       </p:pic>
       <p:sp>
         <p:nvSpPr>
-          <p:cNvPr id="157" name="Google Shape;157;p16"/>
+          <p:cNvPr id="163" name="Google Shape;163;p17"/>
           <p:cNvSpPr txBox="1"/>
           <p:nvPr/>
         </p:nvSpPr>
@@ -11736,7 +12312,7 @@
                                           </p:stCondLst>
                                         </p:cTn>
                                         <p:tgtEl>
-                                          <p:spTgt spid="156"/>
+                                          <p:spTgt spid="162"/>
                                         </p:tgtEl>
                                         <p:attrNameLst>
                                           <p:attrName>style.visibility</p:attrName>
@@ -11750,7 +12326,7 @@
                                       <p:cBhvr>
                                         <p:cTn dur="1000"/>
                                         <p:tgtEl>
-                                          <p:spTgt spid="156"/>
+                                          <p:spTgt spid="162"/>
                                         </p:tgtEl>
                                       </p:cBhvr>
                                     </p:animEffect>
@@ -11788,12 +12364,12 @@
 </p:sld>
 </file>
 
-<file path=ppt/slides/slide5.xml><?xml version="1.0" encoding="utf-8"?>
+<file path=ppt/slides/slide6.xml><?xml version="1.0" encoding="utf-8"?>
 <p:sld xmlns:a="http://schemas.openxmlformats.org/drawingml/2006/main" xmlns:r="http://schemas.openxmlformats.org/officeDocument/2006/relationships" xmlns:mc="http://schemas.openxmlformats.org/markup-compatibility/2006" xmlns:mv="urn:schemas-microsoft-com:mac:vml" xmlns:p="http://schemas.openxmlformats.org/presentationml/2006/main" xmlns:c="http://schemas.openxmlformats.org/drawingml/2006/chart" xmlns:dgm="http://schemas.openxmlformats.org/drawingml/2006/diagram" xmlns:o="urn:schemas-microsoft-com:office:office" xmlns:v="urn:schemas-microsoft-com:vml" xmlns:pvml="urn:schemas-microsoft-com:office:powerpoint" xmlns:com="http://schemas.openxmlformats.org/drawingml/2006/compatibility" xmlns:p14="http://schemas.microsoft.com/office/powerpoint/2010/main" xmlns:p15="http://schemas.microsoft.com/office/powerpoint/2012/main" xmlns:ahyp="http://schemas.microsoft.com/office/drawing/2018/hyperlinkcolor">
   <p:cSld>
     <p:spTree>
       <p:nvGrpSpPr>
-        <p:cNvPr id="161" name="Shape 161"/>
+        <p:cNvPr id="167" name="Shape 167"/>
         <p:cNvGrpSpPr/>
         <p:nvPr/>
       </p:nvGrpSpPr>
@@ -11807,7 +12383,7 @@
       </p:grpSpPr>
       <p:pic>
         <p:nvPicPr>
-          <p:cNvPr id="162" name="Google Shape;162;p17"/>
+          <p:cNvPr id="168" name="Google Shape;168;p18"/>
           <p:cNvPicPr preferRelativeResize="0"/>
           <p:nvPr/>
         </p:nvPicPr>
@@ -11833,297 +12409,6 @@
           </a:ln>
         </p:spPr>
       </p:pic>
-    </p:spTree>
-  </p:cSld>
-  <p:clrMapOvr>
-    <a:masterClrMapping/>
-  </p:clrMapOvr>
-</p:sld>
-</file>
-
-<file path=ppt/slides/slide6.xml><?xml version="1.0" encoding="utf-8"?>
-<p:sld xmlns:a="http://schemas.openxmlformats.org/drawingml/2006/main" xmlns:r="http://schemas.openxmlformats.org/officeDocument/2006/relationships" xmlns:mc="http://schemas.openxmlformats.org/markup-compatibility/2006" xmlns:mv="urn:schemas-microsoft-com:mac:vml" xmlns:p="http://schemas.openxmlformats.org/presentationml/2006/main" xmlns:c="http://schemas.openxmlformats.org/drawingml/2006/chart" xmlns:dgm="http://schemas.openxmlformats.org/drawingml/2006/diagram" xmlns:o="urn:schemas-microsoft-com:office:office" xmlns:v="urn:schemas-microsoft-com:vml" xmlns:pvml="urn:schemas-microsoft-com:office:powerpoint" xmlns:com="http://schemas.openxmlformats.org/drawingml/2006/compatibility" xmlns:p14="http://schemas.microsoft.com/office/powerpoint/2010/main" xmlns:p15="http://schemas.microsoft.com/office/powerpoint/2012/main" xmlns:ahyp="http://schemas.microsoft.com/office/drawing/2018/hyperlinkcolor">
-  <p:cSld>
-    <p:spTree>
-      <p:nvGrpSpPr>
-        <p:cNvPr id="166" name="Shape 166"/>
-        <p:cNvGrpSpPr/>
-        <p:nvPr/>
-      </p:nvGrpSpPr>
-      <p:grpSpPr>
-        <a:xfrm>
-          <a:off x="0" y="0"/>
-          <a:ext cx="0" cy="0"/>
-          <a:chOff x="0" y="0"/>
-          <a:chExt cx="0" cy="0"/>
-        </a:xfrm>
-      </p:grpSpPr>
-      <p:sp>
-        <p:nvSpPr>
-          <p:cNvPr id="167" name="Google Shape;167;p18"/>
-          <p:cNvSpPr txBox="1"/>
-          <p:nvPr>
-            <p:ph type="title"/>
-          </p:nvPr>
-        </p:nvSpPr>
-        <p:spPr>
-          <a:xfrm>
-            <a:off x="1297500" y="393750"/>
-            <a:ext cx="7038900" cy="914100"/>
-          </a:xfrm>
-          <a:prstGeom prst="rect">
-            <a:avLst/>
-          </a:prstGeom>
-        </p:spPr>
-        <p:txBody>
-          <a:bodyPr anchorCtr="0" anchor="t" bIns="91425" lIns="91425" spcFirstLastPara="1" rIns="91425" wrap="square" tIns="91425">
-            <a:normAutofit/>
-          </a:bodyPr>
-          <a:lstStyle/>
-          <a:p>
-            <a:pPr indent="0" lvl="0" marL="0" rtl="0" algn="l">
-              <a:spcBef>
-                <a:spcPts val="0"/>
-              </a:spcBef>
-              <a:spcAft>
-                <a:spcPts val="0"/>
-              </a:spcAft>
-              <a:buNone/>
-            </a:pPr>
-            <a:r>
-              <a:rPr lang="en"/>
-              <a:t>Our approach</a:t>
-            </a:r>
-            <a:endParaRPr/>
-          </a:p>
-        </p:txBody>
-      </p:sp>
-      <p:sp>
-        <p:nvSpPr>
-          <p:cNvPr id="168" name="Google Shape;168;p18"/>
-          <p:cNvSpPr txBox="1"/>
-          <p:nvPr>
-            <p:ph idx="1" type="body"/>
-          </p:nvPr>
-        </p:nvSpPr>
-        <p:spPr>
-          <a:xfrm>
-            <a:off x="1297500" y="1567550"/>
-            <a:ext cx="7038900" cy="2911200"/>
-          </a:xfrm>
-          <a:prstGeom prst="rect">
-            <a:avLst/>
-          </a:prstGeom>
-        </p:spPr>
-        <p:txBody>
-          <a:bodyPr anchorCtr="0" anchor="t" bIns="91425" lIns="91425" spcFirstLastPara="1" rIns="91425" wrap="square" tIns="91425">
-            <a:noAutofit/>
-          </a:bodyPr>
-          <a:lstStyle/>
-          <a:p>
-            <a:pPr indent="-331470" lvl="0" marL="457200" rtl="0" algn="l">
-              <a:lnSpc>
-                <a:spcPct val="95000"/>
-              </a:lnSpc>
-              <a:spcBef>
-                <a:spcPts val="0"/>
-              </a:spcBef>
-              <a:spcAft>
-                <a:spcPts val="0"/>
-              </a:spcAft>
-              <a:buSzPts val="1620"/>
-              <a:buChar char="●"/>
-            </a:pPr>
-            <a:r>
-              <a:rPr lang="en" sz="1620"/>
-              <a:t>Target is to implement a </a:t>
-            </a:r>
-            <a:r>
-              <a:rPr lang="en" sz="1620"/>
-              <a:t>systolic</a:t>
-            </a:r>
-            <a:r>
-              <a:rPr lang="en" sz="1620"/>
-              <a:t> array.</a:t>
-            </a:r>
-            <a:endParaRPr sz="1620"/>
-          </a:p>
-          <a:p>
-            <a:pPr indent="-331470" lvl="0" marL="457200" rtl="0" algn="l">
-              <a:lnSpc>
-                <a:spcPct val="95000"/>
-              </a:lnSpc>
-              <a:spcBef>
-                <a:spcPts val="0"/>
-              </a:spcBef>
-              <a:spcAft>
-                <a:spcPts val="0"/>
-              </a:spcAft>
-              <a:buSzPts val="1620"/>
-              <a:buChar char="●"/>
-            </a:pPr>
-            <a:r>
-              <a:rPr lang="en" sz="1620"/>
-              <a:t>It is being exercised by implementing it with five stage in order pipeline.</a:t>
-            </a:r>
-            <a:endParaRPr sz="1620"/>
-          </a:p>
-          <a:p>
-            <a:pPr indent="-331470" lvl="0" marL="457200" rtl="0" algn="l">
-              <a:lnSpc>
-                <a:spcPct val="95000"/>
-              </a:lnSpc>
-              <a:spcBef>
-                <a:spcPts val="0"/>
-              </a:spcBef>
-              <a:spcAft>
-                <a:spcPts val="0"/>
-              </a:spcAft>
-              <a:buSzPts val="1620"/>
-              <a:buChar char="●"/>
-            </a:pPr>
-            <a:r>
-              <a:rPr lang="en" sz="1620"/>
-              <a:t>Two approaches of data loading:</a:t>
-            </a:r>
-            <a:endParaRPr sz="1620"/>
-          </a:p>
-          <a:p>
-            <a:pPr indent="0" lvl="0" marL="0" rtl="0" algn="l">
-              <a:lnSpc>
-                <a:spcPct val="95000"/>
-              </a:lnSpc>
-              <a:spcBef>
-                <a:spcPts val="1200"/>
-              </a:spcBef>
-              <a:spcAft>
-                <a:spcPts val="0"/>
-              </a:spcAft>
-              <a:buSzPts val="523"/>
-              <a:buNone/>
-            </a:pPr>
-            <a:r>
-              <a:rPr lang="en" sz="1620"/>
-              <a:t>&gt;&gt; approach 1: load all matrices data in buffer before calculation commences</a:t>
-            </a:r>
-            <a:endParaRPr sz="1620"/>
-          </a:p>
-          <a:p>
-            <a:pPr indent="0" lvl="0" marL="0" rtl="0" algn="l">
-              <a:lnSpc>
-                <a:spcPct val="95000"/>
-              </a:lnSpc>
-              <a:spcBef>
-                <a:spcPts val="1200"/>
-              </a:spcBef>
-              <a:spcAft>
-                <a:spcPts val="0"/>
-              </a:spcAft>
-              <a:buSzPts val="523"/>
-              <a:buNone/>
-            </a:pPr>
-            <a:r>
-              <a:rPr lang="en" sz="1620"/>
-              <a:t>&gt;&gt; approach 2 : parallely load data and perform calculation to hide load latency</a:t>
-            </a:r>
-            <a:endParaRPr sz="1620"/>
-          </a:p>
-          <a:p>
-            <a:pPr indent="-331470" lvl="0" marL="457200" rtl="0" algn="l">
-              <a:lnSpc>
-                <a:spcPct val="95000"/>
-              </a:lnSpc>
-              <a:spcBef>
-                <a:spcPts val="1200"/>
-              </a:spcBef>
-              <a:spcAft>
-                <a:spcPts val="0"/>
-              </a:spcAft>
-              <a:buSzPts val="1620"/>
-              <a:buChar char="●"/>
-            </a:pPr>
-            <a:r>
-              <a:rPr lang="en" sz="1620"/>
-              <a:t>Plan is to arrange data memory in a 8 banked fashion.</a:t>
-            </a:r>
-            <a:endParaRPr sz="1620"/>
-          </a:p>
-          <a:p>
-            <a:pPr indent="-331470" lvl="0" marL="457200" rtl="0" algn="l">
-              <a:lnSpc>
-                <a:spcPct val="95000"/>
-              </a:lnSpc>
-              <a:spcBef>
-                <a:spcPts val="0"/>
-              </a:spcBef>
-              <a:spcAft>
-                <a:spcPts val="0"/>
-              </a:spcAft>
-              <a:buSzPts val="1620"/>
-              <a:buChar char="●"/>
-            </a:pPr>
-            <a:r>
-              <a:rPr lang="en" sz="1620"/>
-              <a:t>This enables us to fetch all inputs from a single </a:t>
-            </a:r>
-            <a:r>
-              <a:rPr lang="en" sz="1620"/>
-              <a:t>cache</a:t>
-            </a:r>
-            <a:r>
-              <a:rPr lang="en" sz="1620"/>
-              <a:t> line , which enables us </a:t>
-            </a:r>
-            <a:r>
-              <a:rPr lang="en" sz="1620"/>
-              <a:t>aligned</a:t>
-            </a:r>
-            <a:r>
-              <a:rPr lang="en" sz="1620"/>
-              <a:t> fetch</a:t>
-            </a:r>
-            <a:endParaRPr sz="1620"/>
-          </a:p>
-          <a:p>
-            <a:pPr indent="0" lvl="0" marL="0" rtl="0" algn="l">
-              <a:lnSpc>
-                <a:spcPct val="95000"/>
-              </a:lnSpc>
-              <a:spcBef>
-                <a:spcPts val="1200"/>
-              </a:spcBef>
-              <a:spcAft>
-                <a:spcPts val="0"/>
-              </a:spcAft>
-              <a:buSzPts val="523"/>
-              <a:buNone/>
-            </a:pPr>
-            <a:r>
-              <a:t/>
-            </a:r>
-            <a:endParaRPr sz="717"/>
-          </a:p>
-          <a:p>
-            <a:pPr indent="0" lvl="0" marL="0" rtl="0" algn="l">
-              <a:lnSpc>
-                <a:spcPct val="95000"/>
-              </a:lnSpc>
-              <a:spcBef>
-                <a:spcPts val="1200"/>
-              </a:spcBef>
-              <a:spcAft>
-                <a:spcPts val="1200"/>
-              </a:spcAft>
-              <a:buSzPts val="523"/>
-              <a:buNone/>
-            </a:pPr>
-            <a:r>
-              <a:t/>
-            </a:r>
-            <a:endParaRPr sz="717"/>
-          </a:p>
-        </p:txBody>
-      </p:sp>
     </p:spTree>
   </p:cSld>
   <p:clrMapOvr>
@@ -12159,8 +12444,8 @@
         </p:nvSpPr>
         <p:spPr>
           <a:xfrm>
-            <a:off x="311700" y="167225"/>
-            <a:ext cx="8520600" cy="572700"/>
+            <a:off x="1297500" y="393750"/>
+            <a:ext cx="7038900" cy="914100"/>
           </a:xfrm>
           <a:prstGeom prst="rect">
             <a:avLst/>
@@ -12183,40 +12468,238 @@
             </a:pPr>
             <a:r>
               <a:rPr lang="en"/>
-              <a:t>Project Plan</a:t>
+              <a:t>Our approach</a:t>
             </a:r>
             <a:endParaRPr/>
           </a:p>
         </p:txBody>
       </p:sp>
-      <p:pic>
-        <p:nvPicPr>
+      <p:sp>
+        <p:nvSpPr>
           <p:cNvPr id="174" name="Google Shape;174;p19"/>
-          <p:cNvPicPr preferRelativeResize="0"/>
-          <p:nvPr/>
-        </p:nvPicPr>
-        <p:blipFill>
-          <a:blip r:embed="rId3">
-            <a:alphaModFix/>
-          </a:blip>
-          <a:stretch>
-            <a:fillRect/>
-          </a:stretch>
-        </p:blipFill>
+          <p:cNvSpPr txBox="1"/>
+          <p:nvPr>
+            <p:ph idx="1" type="body"/>
+          </p:nvPr>
+        </p:nvSpPr>
         <p:spPr>
           <a:xfrm>
-            <a:off x="1667700" y="678775"/>
-            <a:ext cx="6017649" cy="4280325"/>
+            <a:off x="1297500" y="1307850"/>
+            <a:ext cx="7038900" cy="2911200"/>
           </a:xfrm>
           <a:prstGeom prst="rect">
             <a:avLst/>
           </a:prstGeom>
-          <a:noFill/>
-          <a:ln>
-            <a:noFill/>
-          </a:ln>
         </p:spPr>
-      </p:pic>
+        <p:txBody>
+          <a:bodyPr anchorCtr="0" anchor="t" bIns="91425" lIns="91425" spcFirstLastPara="1" rIns="91425" wrap="square" tIns="91425">
+            <a:noAutofit/>
+          </a:bodyPr>
+          <a:lstStyle/>
+          <a:p>
+            <a:pPr indent="-337820" lvl="0" marL="457200" rtl="0" algn="l">
+              <a:lnSpc>
+                <a:spcPct val="95000"/>
+              </a:lnSpc>
+              <a:spcBef>
+                <a:spcPts val="0"/>
+              </a:spcBef>
+              <a:spcAft>
+                <a:spcPts val="0"/>
+              </a:spcAft>
+              <a:buSzPts val="1720"/>
+              <a:buChar char="●"/>
+            </a:pPr>
+            <a:r>
+              <a:rPr lang="en" sz="1720"/>
+              <a:t>Target is to implement a </a:t>
+            </a:r>
+            <a:r>
+              <a:rPr lang="en" sz="1720"/>
+              <a:t>systolic</a:t>
+            </a:r>
+            <a:r>
+              <a:rPr lang="en" sz="1720"/>
+              <a:t> array.</a:t>
+            </a:r>
+            <a:endParaRPr sz="1720"/>
+          </a:p>
+          <a:p>
+            <a:pPr indent="-337820" lvl="0" marL="457200" rtl="0" algn="l">
+              <a:lnSpc>
+                <a:spcPct val="95000"/>
+              </a:lnSpc>
+              <a:spcBef>
+                <a:spcPts val="0"/>
+              </a:spcBef>
+              <a:spcAft>
+                <a:spcPts val="0"/>
+              </a:spcAft>
+              <a:buSzPts val="1720"/>
+              <a:buChar char="●"/>
+            </a:pPr>
+            <a:r>
+              <a:rPr lang="en" sz="1720"/>
+              <a:t>It is being exercised by implementing it with five stage in order pipeline.</a:t>
+            </a:r>
+            <a:endParaRPr sz="1720"/>
+          </a:p>
+          <a:p>
+            <a:pPr indent="-337820" lvl="0" marL="457200" rtl="0" algn="l">
+              <a:lnSpc>
+                <a:spcPct val="95000"/>
+              </a:lnSpc>
+              <a:spcBef>
+                <a:spcPts val="0"/>
+              </a:spcBef>
+              <a:spcAft>
+                <a:spcPts val="0"/>
+              </a:spcAft>
+              <a:buSzPts val="1720"/>
+              <a:buChar char="●"/>
+            </a:pPr>
+            <a:r>
+              <a:rPr lang="en" sz="1720"/>
+              <a:t>Two approaches of data loading:</a:t>
+            </a:r>
+            <a:endParaRPr sz="1720"/>
+          </a:p>
+          <a:p>
+            <a:pPr indent="0" lvl="0" marL="0" rtl="0" algn="l">
+              <a:lnSpc>
+                <a:spcPct val="95000"/>
+              </a:lnSpc>
+              <a:spcBef>
+                <a:spcPts val="1200"/>
+              </a:spcBef>
+              <a:spcAft>
+                <a:spcPts val="0"/>
+              </a:spcAft>
+              <a:buSzPts val="523"/>
+              <a:buNone/>
+            </a:pPr>
+            <a:r>
+              <a:rPr lang="en" sz="1720"/>
+              <a:t>&gt;&gt; approach 1: load all matrices data in buffer before calculation commences</a:t>
+            </a:r>
+            <a:endParaRPr sz="1720"/>
+          </a:p>
+          <a:p>
+            <a:pPr indent="0" lvl="0" marL="0" rtl="0" algn="l">
+              <a:lnSpc>
+                <a:spcPct val="95000"/>
+              </a:lnSpc>
+              <a:spcBef>
+                <a:spcPts val="1200"/>
+              </a:spcBef>
+              <a:spcAft>
+                <a:spcPts val="0"/>
+              </a:spcAft>
+              <a:buSzPts val="523"/>
+              <a:buNone/>
+            </a:pPr>
+            <a:r>
+              <a:rPr lang="en" sz="1720"/>
+              <a:t>&gt;&gt; approach 2 : parallely load data and perform calculation to hide load latency</a:t>
+            </a:r>
+            <a:endParaRPr sz="1720"/>
+          </a:p>
+          <a:p>
+            <a:pPr indent="-337820" lvl="0" marL="457200" rtl="0" algn="l">
+              <a:lnSpc>
+                <a:spcPct val="95000"/>
+              </a:lnSpc>
+              <a:spcBef>
+                <a:spcPts val="1200"/>
+              </a:spcBef>
+              <a:spcAft>
+                <a:spcPts val="0"/>
+              </a:spcAft>
+              <a:buSzPts val="1720"/>
+              <a:buChar char="●"/>
+            </a:pPr>
+            <a:r>
+              <a:rPr lang="en" sz="1720"/>
+              <a:t>Plan is to arrange data memory in a 8 banked fashion.</a:t>
+            </a:r>
+            <a:endParaRPr sz="1720"/>
+          </a:p>
+          <a:p>
+            <a:pPr indent="-337820" lvl="0" marL="457200" rtl="0" algn="l">
+              <a:lnSpc>
+                <a:spcPct val="95000"/>
+              </a:lnSpc>
+              <a:spcBef>
+                <a:spcPts val="0"/>
+              </a:spcBef>
+              <a:spcAft>
+                <a:spcPts val="0"/>
+              </a:spcAft>
+              <a:buSzPts val="1720"/>
+              <a:buChar char="●"/>
+            </a:pPr>
+            <a:r>
+              <a:rPr lang="en" sz="1720"/>
+              <a:t>This enables us to fetch all inputs from a single </a:t>
+            </a:r>
+            <a:r>
+              <a:rPr lang="en" sz="1720"/>
+              <a:t>cache</a:t>
+            </a:r>
+            <a:r>
+              <a:rPr lang="en" sz="1720"/>
+              <a:t> line , which enables us </a:t>
+            </a:r>
+            <a:r>
+              <a:rPr lang="en" sz="1720"/>
+              <a:t>aligned</a:t>
+            </a:r>
+            <a:r>
+              <a:rPr lang="en" sz="1720"/>
+              <a:t> fetch</a:t>
+            </a:r>
+            <a:endParaRPr sz="1720"/>
+          </a:p>
+          <a:p>
+            <a:pPr indent="0" lvl="0" marL="0" rtl="0" algn="l">
+              <a:lnSpc>
+                <a:spcPct val="95000"/>
+              </a:lnSpc>
+              <a:spcBef>
+                <a:spcPts val="1200"/>
+              </a:spcBef>
+              <a:spcAft>
+                <a:spcPts val="0"/>
+              </a:spcAft>
+              <a:buSzPts val="523"/>
+              <a:buNone/>
+            </a:pPr>
+            <a:r>
+              <a:t/>
+            </a:r>
+            <a:endParaRPr sz="817"/>
+          </a:p>
+          <a:p>
+            <a:pPr indent="0" lvl="0" marL="0" rtl="0" algn="l">
+              <a:lnSpc>
+                <a:spcPct val="95000"/>
+              </a:lnSpc>
+              <a:spcBef>
+                <a:spcPts val="1200"/>
+              </a:spcBef>
+              <a:spcAft>
+                <a:spcPts val="1200"/>
+              </a:spcAft>
+              <a:buSzPts val="523"/>
+              <a:buNone/>
+            </a:pPr>
+            <a:r>
+              <a:t/>
+            </a:r>
+            <a:endParaRPr sz="817"/>
+          </a:p>
+        </p:txBody>
+      </p:sp>
     </p:spTree>
   </p:cSld>
   <p:clrMapOvr>
@@ -12276,40 +12759,135 @@
             </a:pPr>
             <a:r>
               <a:rPr lang="en"/>
-              <a:t>Proposed high-level block diagram</a:t>
+              <a:t>Project Progression</a:t>
             </a:r>
             <a:endParaRPr/>
           </a:p>
         </p:txBody>
       </p:sp>
-      <p:pic>
-        <p:nvPicPr>
+      <p:sp>
+        <p:nvSpPr>
           <p:cNvPr id="180" name="Google Shape;180;p20"/>
-          <p:cNvPicPr preferRelativeResize="0"/>
-          <p:nvPr/>
-        </p:nvPicPr>
-        <p:blipFill>
-          <a:blip r:embed="rId3">
-            <a:alphaModFix/>
-          </a:blip>
-          <a:stretch>
-            <a:fillRect/>
-          </a:stretch>
-        </p:blipFill>
+          <p:cNvSpPr txBox="1"/>
+          <p:nvPr>
+            <p:ph idx="1" type="body"/>
+          </p:nvPr>
+        </p:nvSpPr>
         <p:spPr>
           <a:xfrm>
-            <a:off x="1168525" y="1307850"/>
-            <a:ext cx="7296855" cy="3530851"/>
+            <a:off x="590550" y="1567550"/>
+            <a:ext cx="7962900" cy="2911200"/>
           </a:xfrm>
           <a:prstGeom prst="rect">
             <a:avLst/>
           </a:prstGeom>
-          <a:noFill/>
-          <a:ln>
-            <a:noFill/>
-          </a:ln>
         </p:spPr>
-      </p:pic>
+        <p:txBody>
+          <a:bodyPr anchorCtr="0" anchor="t" bIns="91425" lIns="91425" spcFirstLastPara="1" rIns="91425" wrap="square" tIns="91425">
+            <a:noAutofit/>
+          </a:bodyPr>
+          <a:lstStyle/>
+          <a:p>
+            <a:pPr indent="-342900" lvl="0" marL="457200" rtl="0" algn="l">
+              <a:spcBef>
+                <a:spcPts val="0"/>
+              </a:spcBef>
+              <a:spcAft>
+                <a:spcPts val="0"/>
+              </a:spcAft>
+              <a:buSzPts val="1800"/>
+              <a:buChar char="●"/>
+            </a:pPr>
+            <a:r>
+              <a:rPr lang="en" sz="1800"/>
+              <a:t>Our first milestone is to have a working 4x4 </a:t>
+            </a:r>
+            <a:r>
+              <a:rPr lang="en" sz="1800"/>
+              <a:t>systolic</a:t>
+            </a:r>
+            <a:r>
+              <a:rPr lang="en" sz="1800"/>
+              <a:t> array that can do basic 4x4 </a:t>
+            </a:r>
+            <a:r>
+              <a:rPr lang="en" sz="1800"/>
+              <a:t>matrix</a:t>
+            </a:r>
+            <a:r>
+              <a:rPr lang="en" sz="1800"/>
+              <a:t> multiplication. This also serves as our fallback design in case future iteration fail.</a:t>
+            </a:r>
+            <a:endParaRPr sz="1800"/>
+          </a:p>
+          <a:p>
+            <a:pPr indent="-342900" lvl="0" marL="457200" rtl="0" algn="l">
+              <a:spcBef>
+                <a:spcPts val="0"/>
+              </a:spcBef>
+              <a:spcAft>
+                <a:spcPts val="0"/>
+              </a:spcAft>
+              <a:buSzPts val="1800"/>
+              <a:buChar char="●"/>
+            </a:pPr>
+            <a:r>
+              <a:rPr lang="en" sz="1800"/>
+              <a:t>Next , we develop the 5-stage pipeline and </a:t>
+            </a:r>
+            <a:r>
+              <a:rPr lang="en" sz="1800"/>
+              <a:t>integrate</a:t>
+            </a:r>
+            <a:r>
+              <a:rPr lang="en" sz="1800"/>
+              <a:t> with the </a:t>
+            </a:r>
+            <a:r>
+              <a:rPr lang="en" sz="1800"/>
+              <a:t>systolic</a:t>
+            </a:r>
+            <a:r>
+              <a:rPr lang="en" sz="1800"/>
+              <a:t> array and so we can use the instructions to control the array. </a:t>
+            </a:r>
+            <a:endParaRPr sz="1800"/>
+          </a:p>
+          <a:p>
+            <a:pPr indent="-342900" lvl="0" marL="457200" rtl="0" algn="l">
+              <a:spcBef>
+                <a:spcPts val="0"/>
+              </a:spcBef>
+              <a:spcAft>
+                <a:spcPts val="0"/>
+              </a:spcAft>
+              <a:buSzPts val="1800"/>
+              <a:buChar char="●"/>
+            </a:pPr>
+            <a:r>
+              <a:rPr lang="en" sz="1800"/>
+              <a:t>Finally, we plan to </a:t>
+            </a:r>
+            <a:r>
+              <a:rPr lang="en" sz="1800"/>
+              <a:t>have</a:t>
+            </a:r>
+            <a:r>
+              <a:rPr lang="en" sz="1800"/>
+              <a:t> a 5-stage pipeline </a:t>
+            </a:r>
+            <a:r>
+              <a:rPr lang="en" sz="1800"/>
+              <a:t>systolic</a:t>
+            </a:r>
+            <a:r>
+              <a:rPr lang="en" sz="1800"/>
+              <a:t> array that can perform any dimension of matrix multiplication like 4x1 * 1x4 , 2x4 * 4x2 etc.</a:t>
+            </a:r>
+            <a:endParaRPr sz="1800"/>
+          </a:p>
+        </p:txBody>
+      </p:sp>
     </p:spTree>
   </p:cSld>
   <p:clrMapOvr>
@@ -12345,8 +12923,8 @@
         </p:nvSpPr>
         <p:spPr>
           <a:xfrm>
-            <a:off x="1297500" y="393750"/>
-            <a:ext cx="7038900" cy="914100"/>
+            <a:off x="247675" y="0"/>
+            <a:ext cx="8520600" cy="572700"/>
           </a:xfrm>
           <a:prstGeom prst="rect">
             <a:avLst/>
@@ -12369,7 +12947,7 @@
             </a:pPr>
             <a:r>
               <a:rPr lang="en"/>
-              <a:t>Proposed high-level block diagram</a:t>
+              <a:t>Project Plan</a:t>
             </a:r>
             <a:endParaRPr/>
           </a:p>
@@ -12391,8 +12969,8 @@
         </p:blipFill>
         <p:spPr>
           <a:xfrm>
-            <a:off x="925038" y="1460250"/>
-            <a:ext cx="7783834" cy="3530850"/>
+            <a:off x="1024275" y="643875"/>
+            <a:ext cx="7095451" cy="4343274"/>
           </a:xfrm>
           <a:prstGeom prst="rect">
             <a:avLst/>
@@ -12412,6 +12990,285 @@
 </file>
 
 <file path=ppt/theme/theme1.xml><?xml version="1.0" encoding="utf-8"?>
+<a:theme xmlns:a="http://schemas.openxmlformats.org/drawingml/2006/main" xmlns:r="http://schemas.openxmlformats.org/officeDocument/2006/relationships" name="Focus">
+  <a:themeElements>
+    <a:clrScheme name="Focus">
+      <a:dk1>
+        <a:srgbClr val="1B212C"/>
+      </a:dk1>
+      <a:lt1>
+        <a:srgbClr val="FFFFFF"/>
+      </a:lt1>
+      <a:dk2>
+        <a:srgbClr val="D9D9D9"/>
+      </a:dk2>
+      <a:lt2>
+        <a:srgbClr val="82C7A5"/>
+      </a:lt2>
+      <a:accent1>
+        <a:srgbClr val="0145AC"/>
+      </a:accent1>
+      <a:accent2>
+        <a:srgbClr val="EECE1A"/>
+      </a:accent2>
+      <a:accent3>
+        <a:srgbClr val="4E5567"/>
+      </a:accent3>
+      <a:accent4>
+        <a:srgbClr val="F4D6AD"/>
+      </a:accent4>
+      <a:accent5>
+        <a:srgbClr val="7890CD"/>
+      </a:accent5>
+      <a:accent6>
+        <a:srgbClr val="F15E22"/>
+      </a:accent6>
+      <a:hlink>
+        <a:srgbClr val="7890CD"/>
+      </a:hlink>
+      <a:folHlink>
+        <a:srgbClr val="7890CD"/>
+      </a:folHlink>
+    </a:clrScheme>
+    <a:fontScheme name="Office">
+      <a:majorFont>
+        <a:latin typeface="Arial"/>
+        <a:ea typeface=""/>
+        <a:cs typeface=""/>
+        <a:font script="Jpan" typeface="ＭＳ Ｐゴシック"/>
+        <a:font script="Hang" typeface="맑은 고딕"/>
+        <a:font script="Hans" typeface="宋体"/>
+        <a:font script="Hant" typeface="新細明體"/>
+        <a:font script="Arab" typeface="Times New Roman"/>
+        <a:font script="Hebr" typeface="Times New Roman"/>
+        <a:font script="Thai" typeface="Angsana New"/>
+        <a:font script="Ethi" typeface="Nyala"/>
+        <a:font script="Beng" typeface="Vrinda"/>
+        <a:font script="Gujr" typeface="Shruti"/>
+        <a:font script="Khmr" typeface="MoolBoran"/>
+        <a:font script="Knda" typeface="Tunga"/>
+        <a:font script="Guru" typeface="Raavi"/>
+        <a:font script="Cans" typeface="Euphemia"/>
+        <a:font script="Cher" typeface="Plantagenet Cherokee"/>
+        <a:font script="Yiii" typeface="Microsoft Yi Baiti"/>
+        <a:font script="Tibt" typeface="Microsoft Himalaya"/>
+        <a:font script="Thaa" typeface="MV Boli"/>
+        <a:font script="Deva" typeface="Mangal"/>
+        <a:font script="Telu" typeface="Gautami"/>
+        <a:font script="Taml" typeface="Latha"/>
+        <a:font script="Syrc" typeface="Estrangelo Edessa"/>
+        <a:font script="Orya" typeface="Kalinga"/>
+        <a:font script="Mlym" typeface="Kartika"/>
+        <a:font script="Laoo" typeface="DokChampa"/>
+        <a:font script="Sinh" typeface="Iskoola Pota"/>
+        <a:font script="Mong" typeface="Mongolian Baiti"/>
+        <a:font script="Viet" typeface="Times New Roman"/>
+        <a:font script="Uigh" typeface="Microsoft Uighur"/>
+        <a:font script="Geor" typeface="Sylfaen"/>
+      </a:majorFont>
+      <a:minorFont>
+        <a:latin typeface="Arial"/>
+        <a:ea typeface=""/>
+        <a:cs typeface=""/>
+        <a:font script="Jpan" typeface="ＭＳ Ｐゴシック"/>
+        <a:font script="Hang" typeface="맑은 고딕"/>
+        <a:font script="Hans" typeface="宋体"/>
+        <a:font script="Hant" typeface="新細明體"/>
+        <a:font script="Arab" typeface="Arial"/>
+        <a:font script="Hebr" typeface="Arial"/>
+        <a:font script="Thai" typeface="Cordia New"/>
+        <a:font script="Ethi" typeface="Nyala"/>
+        <a:font script="Beng" typeface="Vrinda"/>
+        <a:font script="Gujr" typeface="Shruti"/>
+        <a:font script="Khmr" typeface="DaunPenh"/>
+        <a:font script="Knda" typeface="Tunga"/>
+        <a:font script="Guru" typeface="Raavi"/>
+        <a:font script="Cans" typeface="Euphemia"/>
+        <a:font script="Cher" typeface="Plantagenet Cherokee"/>
+        <a:font script="Yiii" typeface="Microsoft Yi Baiti"/>
+        <a:font script="Tibt" typeface="Microsoft Himalaya"/>
+        <a:font script="Thaa" typeface="MV Boli"/>
+        <a:font script="Deva" typeface="Mangal"/>
+        <a:font script="Telu" typeface="Gautami"/>
+        <a:font script="Taml" typeface="Latha"/>
+        <a:font script="Syrc" typeface="Estrangelo Edessa"/>
+        <a:font script="Orya" typeface="Kalinga"/>
+        <a:font script="Mlym" typeface="Kartika"/>
+        <a:font script="Laoo" typeface="DokChampa"/>
+        <a:font script="Sinh" typeface="Iskoola Pota"/>
+        <a:font script="Mong" typeface="Mongolian Baiti"/>
+        <a:font script="Viet" typeface="Arial"/>
+        <a:font script="Uigh" typeface="Microsoft Uighur"/>
+        <a:font script="Geor" typeface="Sylfaen"/>
+      </a:minorFont>
+    </a:fontScheme>
+    <a:fmtScheme name="Office">
+      <a:fillStyleLst>
+        <a:solidFill>
+          <a:schemeClr val="phClr"/>
+        </a:solidFill>
+        <a:gradFill rotWithShape="1">
+          <a:gsLst>
+            <a:gs pos="0">
+              <a:schemeClr val="phClr">
+                <a:tint val="50000"/>
+                <a:satMod val="300000"/>
+              </a:schemeClr>
+            </a:gs>
+            <a:gs pos="35000">
+              <a:schemeClr val="phClr">
+                <a:tint val="37000"/>
+                <a:satMod val="300000"/>
+              </a:schemeClr>
+            </a:gs>
+            <a:gs pos="100000">
+              <a:schemeClr val="phClr">
+                <a:tint val="15000"/>
+                <a:satMod val="350000"/>
+              </a:schemeClr>
+            </a:gs>
+          </a:gsLst>
+          <a:lin ang="16200000" scaled="1"/>
+        </a:gradFill>
+        <a:gradFill rotWithShape="1">
+          <a:gsLst>
+            <a:gs pos="0">
+              <a:schemeClr val="phClr">
+                <a:tint val="100000"/>
+                <a:shade val="100000"/>
+                <a:satMod val="130000"/>
+              </a:schemeClr>
+            </a:gs>
+            <a:gs pos="100000">
+              <a:schemeClr val="phClr">
+                <a:tint val="50000"/>
+                <a:shade val="100000"/>
+                <a:satMod val="350000"/>
+              </a:schemeClr>
+            </a:gs>
+          </a:gsLst>
+          <a:lin ang="16200000" scaled="0"/>
+        </a:gradFill>
+      </a:fillStyleLst>
+      <a:lnStyleLst>
+        <a:ln w="9525" cap="flat" cmpd="sng" algn="ctr">
+          <a:solidFill>
+            <a:schemeClr val="phClr">
+              <a:shade val="95000"/>
+              <a:satMod val="105000"/>
+            </a:schemeClr>
+          </a:solidFill>
+          <a:prstDash val="solid"/>
+        </a:ln>
+        <a:ln w="25400" cap="flat" cmpd="sng" algn="ctr">
+          <a:solidFill>
+            <a:schemeClr val="phClr"/>
+          </a:solidFill>
+          <a:prstDash val="solid"/>
+        </a:ln>
+        <a:ln w="38100" cap="flat" cmpd="sng" algn="ctr">
+          <a:solidFill>
+            <a:schemeClr val="phClr"/>
+          </a:solidFill>
+          <a:prstDash val="solid"/>
+        </a:ln>
+      </a:lnStyleLst>
+      <a:effectStyleLst>
+        <a:effectStyle>
+          <a:effectLst>
+            <a:outerShdw blurRad="40000" dist="20000" dir="5400000" rotWithShape="0">
+              <a:srgbClr val="000000">
+                <a:alpha val="38000"/>
+              </a:srgbClr>
+            </a:outerShdw>
+          </a:effectLst>
+        </a:effectStyle>
+        <a:effectStyle>
+          <a:effectLst>
+            <a:outerShdw blurRad="40000" dist="23000" dir="5400000" rotWithShape="0">
+              <a:srgbClr val="000000">
+                <a:alpha val="35000"/>
+              </a:srgbClr>
+            </a:outerShdw>
+          </a:effectLst>
+        </a:effectStyle>
+        <a:effectStyle>
+          <a:effectLst>
+            <a:outerShdw blurRad="40000" dist="23000" dir="5400000" rotWithShape="0">
+              <a:srgbClr val="000000">
+                <a:alpha val="35000"/>
+              </a:srgbClr>
+            </a:outerShdw>
+          </a:effectLst>
+          <a:scene3d>
+            <a:camera prst="orthographicFront">
+              <a:rot lat="0" lon="0" rev="0"/>
+            </a:camera>
+            <a:lightRig rig="threePt" dir="t">
+              <a:rot lat="0" lon="0" rev="1200000"/>
+            </a:lightRig>
+          </a:scene3d>
+          <a:sp3d>
+            <a:bevelT w="63500" h="25400"/>
+          </a:sp3d>
+        </a:effectStyle>
+      </a:effectStyleLst>
+      <a:bgFillStyleLst>
+        <a:solidFill>
+          <a:schemeClr val="phClr"/>
+        </a:solidFill>
+        <a:gradFill rotWithShape="1">
+          <a:gsLst>
+            <a:gs pos="0">
+              <a:schemeClr val="phClr">
+                <a:tint val="40000"/>
+                <a:satMod val="350000"/>
+              </a:schemeClr>
+            </a:gs>
+            <a:gs pos="40000">
+              <a:schemeClr val="phClr">
+                <a:tint val="45000"/>
+                <a:shade val="99000"/>
+                <a:satMod val="350000"/>
+              </a:schemeClr>
+            </a:gs>
+            <a:gs pos="100000">
+              <a:schemeClr val="phClr">
+                <a:shade val="20000"/>
+                <a:satMod val="255000"/>
+              </a:schemeClr>
+            </a:gs>
+          </a:gsLst>
+          <a:path path="circle">
+            <a:fillToRect l="50000" t="-80000" r="50000" b="180000"/>
+          </a:path>
+        </a:gradFill>
+        <a:gradFill rotWithShape="1">
+          <a:gsLst>
+            <a:gs pos="0">
+              <a:schemeClr val="phClr">
+                <a:tint val="80000"/>
+                <a:satMod val="300000"/>
+              </a:schemeClr>
+            </a:gs>
+            <a:gs pos="100000">
+              <a:schemeClr val="phClr">
+                <a:shade val="30000"/>
+                <a:satMod val="200000"/>
+              </a:schemeClr>
+            </a:gs>
+          </a:gsLst>
+          <a:path path="circle">
+            <a:fillToRect l="50000" t="50000" r="50000" b="50000"/>
+          </a:path>
+        </a:gradFill>
+      </a:bgFillStyleLst>
+    </a:fmtScheme>
+  </a:themeElements>
+</a:theme>
+</file>
+
+<file path=ppt/theme/theme2.xml><?xml version="1.0" encoding="utf-8"?>
 <a:theme xmlns:a="http://schemas.openxmlformats.org/drawingml/2006/main" xmlns:r="http://schemas.openxmlformats.org/officeDocument/2006/relationships">
   <a:themeElements>
     <a:clrScheme name="Default">
@@ -12688,283 +13545,4 @@
     </a:fmtScheme>
   </a:themeElements>
 </a:theme>
-</file>
-
-<file path=ppt/theme/theme2.xml><?xml version="1.0" encoding="utf-8"?>
-<a:theme xmlns:a="http://schemas.openxmlformats.org/drawingml/2006/main" xmlns:r="http://schemas.openxmlformats.org/officeDocument/2006/relationships" name="Focus">
-  <a:themeElements>
-    <a:clrScheme name="Focus">
-      <a:dk1>
-        <a:srgbClr val="1B212C"/>
-      </a:dk1>
-      <a:lt1>
-        <a:srgbClr val="FFFFFF"/>
-      </a:lt1>
-      <a:dk2>
-        <a:srgbClr val="D9D9D9"/>
-      </a:dk2>
-      <a:lt2>
-        <a:srgbClr val="82C7A5"/>
-      </a:lt2>
-      <a:accent1>
-        <a:srgbClr val="0145AC"/>
-      </a:accent1>
-      <a:accent2>
-        <a:srgbClr val="EECE1A"/>
-      </a:accent2>
-      <a:accent3>
-        <a:srgbClr val="4E5567"/>
-      </a:accent3>
-      <a:accent4>
-        <a:srgbClr val="F4D6AD"/>
-      </a:accent4>
-      <a:accent5>
-        <a:srgbClr val="7890CD"/>
-      </a:accent5>
-      <a:accent6>
-        <a:srgbClr val="F15E22"/>
-      </a:accent6>
-      <a:hlink>
-        <a:srgbClr val="7890CD"/>
-      </a:hlink>
-      <a:folHlink>
-        <a:srgbClr val="7890CD"/>
-      </a:folHlink>
-    </a:clrScheme>
-    <a:fontScheme name="Office">
-      <a:majorFont>
-        <a:latin typeface="Arial"/>
-        <a:ea typeface=""/>
-        <a:cs typeface=""/>
-        <a:font script="Jpan" typeface="ＭＳ Ｐゴシック"/>
-        <a:font script="Hang" typeface="맑은 고딕"/>
-        <a:font script="Hans" typeface="宋体"/>
-        <a:font script="Hant" typeface="新細明體"/>
-        <a:font script="Arab" typeface="Times New Roman"/>
-        <a:font script="Hebr" typeface="Times New Roman"/>
-        <a:font script="Thai" typeface="Angsana New"/>
-        <a:font script="Ethi" typeface="Nyala"/>
-        <a:font script="Beng" typeface="Vrinda"/>
-        <a:font script="Gujr" typeface="Shruti"/>
-        <a:font script="Khmr" typeface="MoolBoran"/>
-        <a:font script="Knda" typeface="Tunga"/>
-        <a:font script="Guru" typeface="Raavi"/>
-        <a:font script="Cans" typeface="Euphemia"/>
-        <a:font script="Cher" typeface="Plantagenet Cherokee"/>
-        <a:font script="Yiii" typeface="Microsoft Yi Baiti"/>
-        <a:font script="Tibt" typeface="Microsoft Himalaya"/>
-        <a:font script="Thaa" typeface="MV Boli"/>
-        <a:font script="Deva" typeface="Mangal"/>
-        <a:font script="Telu" typeface="Gautami"/>
-        <a:font script="Taml" typeface="Latha"/>
-        <a:font script="Syrc" typeface="Estrangelo Edessa"/>
-        <a:font script="Orya" typeface="Kalinga"/>
-        <a:font script="Mlym" typeface="Kartika"/>
-        <a:font script="Laoo" typeface="DokChampa"/>
-        <a:font script="Sinh" typeface="Iskoola Pota"/>
-        <a:font script="Mong" typeface="Mongolian Baiti"/>
-        <a:font script="Viet" typeface="Times New Roman"/>
-        <a:font script="Uigh" typeface="Microsoft Uighur"/>
-        <a:font script="Geor" typeface="Sylfaen"/>
-      </a:majorFont>
-      <a:minorFont>
-        <a:latin typeface="Arial"/>
-        <a:ea typeface=""/>
-        <a:cs typeface=""/>
-        <a:font script="Jpan" typeface="ＭＳ Ｐゴシック"/>
-        <a:font script="Hang" typeface="맑은 고딕"/>
-        <a:font script="Hans" typeface="宋体"/>
-        <a:font script="Hant" typeface="新細明體"/>
-        <a:font script="Arab" typeface="Arial"/>
-        <a:font script="Hebr" typeface="Arial"/>
-        <a:font script="Thai" typeface="Cordia New"/>
-        <a:font script="Ethi" typeface="Nyala"/>
-        <a:font script="Beng" typeface="Vrinda"/>
-        <a:font script="Gujr" typeface="Shruti"/>
-        <a:font script="Khmr" typeface="DaunPenh"/>
-        <a:font script="Knda" typeface="Tunga"/>
-        <a:font script="Guru" typeface="Raavi"/>
-        <a:font script="Cans" typeface="Euphemia"/>
-        <a:font script="Cher" typeface="Plantagenet Cherokee"/>
-        <a:font script="Yiii" typeface="Microsoft Yi Baiti"/>
-        <a:font script="Tibt" typeface="Microsoft Himalaya"/>
-        <a:font script="Thaa" typeface="MV Boli"/>
-        <a:font script="Deva" typeface="Mangal"/>
-        <a:font script="Telu" typeface="Gautami"/>
-        <a:font script="Taml" typeface="Latha"/>
-        <a:font script="Syrc" typeface="Estrangelo Edessa"/>
-        <a:font script="Orya" typeface="Kalinga"/>
-        <a:font script="Mlym" typeface="Kartika"/>
-        <a:font script="Laoo" typeface="DokChampa"/>
-        <a:font script="Sinh" typeface="Iskoola Pota"/>
-        <a:font script="Mong" typeface="Mongolian Baiti"/>
-        <a:font script="Viet" typeface="Arial"/>
-        <a:font script="Uigh" typeface="Microsoft Uighur"/>
-        <a:font script="Geor" typeface="Sylfaen"/>
-      </a:minorFont>
-    </a:fontScheme>
-    <a:fmtScheme name="Office">
-      <a:fillStyleLst>
-        <a:solidFill>
-          <a:schemeClr val="phClr"/>
-        </a:solidFill>
-        <a:gradFill rotWithShape="1">
-          <a:gsLst>
-            <a:gs pos="0">
-              <a:schemeClr val="phClr">
-                <a:tint val="50000"/>
-                <a:satMod val="300000"/>
-              </a:schemeClr>
-            </a:gs>
-            <a:gs pos="35000">
-              <a:schemeClr val="phClr">
-                <a:tint val="37000"/>
-                <a:satMod val="300000"/>
-              </a:schemeClr>
-            </a:gs>
-            <a:gs pos="100000">
-              <a:schemeClr val="phClr">
-                <a:tint val="15000"/>
-                <a:satMod val="350000"/>
-              </a:schemeClr>
-            </a:gs>
-          </a:gsLst>
-          <a:lin ang="16200000" scaled="1"/>
-        </a:gradFill>
-        <a:gradFill rotWithShape="1">
-          <a:gsLst>
-            <a:gs pos="0">
-              <a:schemeClr val="phClr">
-                <a:tint val="100000"/>
-                <a:shade val="100000"/>
-                <a:satMod val="130000"/>
-              </a:schemeClr>
-            </a:gs>
-            <a:gs pos="100000">
-              <a:schemeClr val="phClr">
-                <a:tint val="50000"/>
-                <a:shade val="100000"/>
-                <a:satMod val="350000"/>
-              </a:schemeClr>
-            </a:gs>
-          </a:gsLst>
-          <a:lin ang="16200000" scaled="0"/>
-        </a:gradFill>
-      </a:fillStyleLst>
-      <a:lnStyleLst>
-        <a:ln w="9525" cap="flat" cmpd="sng" algn="ctr">
-          <a:solidFill>
-            <a:schemeClr val="phClr">
-              <a:shade val="95000"/>
-              <a:satMod val="105000"/>
-            </a:schemeClr>
-          </a:solidFill>
-          <a:prstDash val="solid"/>
-        </a:ln>
-        <a:ln w="25400" cap="flat" cmpd="sng" algn="ctr">
-          <a:solidFill>
-            <a:schemeClr val="phClr"/>
-          </a:solidFill>
-          <a:prstDash val="solid"/>
-        </a:ln>
-        <a:ln w="38100" cap="flat" cmpd="sng" algn="ctr">
-          <a:solidFill>
-            <a:schemeClr val="phClr"/>
-          </a:solidFill>
-          <a:prstDash val="solid"/>
-        </a:ln>
-      </a:lnStyleLst>
-      <a:effectStyleLst>
-        <a:effectStyle>
-          <a:effectLst>
-            <a:outerShdw blurRad="40000" dist="20000" dir="5400000" rotWithShape="0">
-              <a:srgbClr val="000000">
-                <a:alpha val="38000"/>
-              </a:srgbClr>
-            </a:outerShdw>
-          </a:effectLst>
-        </a:effectStyle>
-        <a:effectStyle>
-          <a:effectLst>
-            <a:outerShdw blurRad="40000" dist="23000" dir="5400000" rotWithShape="0">
-              <a:srgbClr val="000000">
-                <a:alpha val="35000"/>
-              </a:srgbClr>
-            </a:outerShdw>
-          </a:effectLst>
-        </a:effectStyle>
-        <a:effectStyle>
-          <a:effectLst>
-            <a:outerShdw blurRad="40000" dist="23000" dir="5400000" rotWithShape="0">
-              <a:srgbClr val="000000">
-                <a:alpha val="35000"/>
-              </a:srgbClr>
-            </a:outerShdw>
-          </a:effectLst>
-          <a:scene3d>
-            <a:camera prst="orthographicFront">
-              <a:rot lat="0" lon="0" rev="0"/>
-            </a:camera>
-            <a:lightRig rig="threePt" dir="t">
-              <a:rot lat="0" lon="0" rev="1200000"/>
-            </a:lightRig>
-          </a:scene3d>
-          <a:sp3d>
-            <a:bevelT w="63500" h="25400"/>
-          </a:sp3d>
-        </a:effectStyle>
-      </a:effectStyleLst>
-      <a:bgFillStyleLst>
-        <a:solidFill>
-          <a:schemeClr val="phClr"/>
-        </a:solidFill>
-        <a:gradFill rotWithShape="1">
-          <a:gsLst>
-            <a:gs pos="0">
-              <a:schemeClr val="phClr">
-                <a:tint val="40000"/>
-                <a:satMod val="350000"/>
-              </a:schemeClr>
-            </a:gs>
-            <a:gs pos="40000">
-              <a:schemeClr val="phClr">
-                <a:tint val="45000"/>
-                <a:shade val="99000"/>
-                <a:satMod val="350000"/>
-              </a:schemeClr>
-            </a:gs>
-            <a:gs pos="100000">
-              <a:schemeClr val="phClr">
-                <a:shade val="20000"/>
-                <a:satMod val="255000"/>
-              </a:schemeClr>
-            </a:gs>
-          </a:gsLst>
-          <a:path path="circle">
-            <a:fillToRect l="50000" t="-80000" r="50000" b="180000"/>
-          </a:path>
-        </a:gradFill>
-        <a:gradFill rotWithShape="1">
-          <a:gsLst>
-            <a:gs pos="0">
-              <a:schemeClr val="phClr">
-                <a:tint val="80000"/>
-                <a:satMod val="300000"/>
-              </a:schemeClr>
-            </a:gs>
-            <a:gs pos="100000">
-              <a:schemeClr val="phClr">
-                <a:shade val="30000"/>
-                <a:satMod val="200000"/>
-              </a:schemeClr>
-            </a:gs>
-          </a:gsLst>
-          <a:path path="circle">
-            <a:fillToRect l="50000" t="50000" r="50000" b="50000"/>
-          </a:path>
-        </a:gradFill>
-      </a:bgFillStyleLst>
-    </a:fmtScheme>
-  </a:themeElements>
-</a:theme>
 </file>